--- a/Notes.pptx
+++ b/Notes.pptx
@@ -5,21 +5,20 @@
     <p:sldMasterId id="2147483660" r:id="rId1"/>
   </p:sldMasterIdLst>
   <p:notesMasterIdLst>
-    <p:notesMasterId r:id="rId11"/>
+    <p:notesMasterId r:id="rId10"/>
   </p:notesMasterIdLst>
   <p:handoutMasterIdLst>
-    <p:handoutMasterId r:id="rId12"/>
+    <p:handoutMasterId r:id="rId11"/>
   </p:handoutMasterIdLst>
   <p:sldIdLst>
     <p:sldId id="256" r:id="rId2"/>
-    <p:sldId id="748" r:id="rId3"/>
-    <p:sldId id="742" r:id="rId4"/>
-    <p:sldId id="743" r:id="rId5"/>
-    <p:sldId id="745" r:id="rId6"/>
-    <p:sldId id="488" r:id="rId7"/>
-    <p:sldId id="746" r:id="rId8"/>
-    <p:sldId id="749" r:id="rId9"/>
-    <p:sldId id="747" r:id="rId10"/>
+    <p:sldId id="742" r:id="rId3"/>
+    <p:sldId id="743" r:id="rId4"/>
+    <p:sldId id="745" r:id="rId5"/>
+    <p:sldId id="488" r:id="rId6"/>
+    <p:sldId id="746" r:id="rId7"/>
+    <p:sldId id="749" r:id="rId8"/>
+    <p:sldId id="747" r:id="rId9"/>
   </p:sldIdLst>
   <p:sldSz cx="9144000" cy="6858000" type="screen4x3"/>
   <p:notesSz cx="6808788" cy="9942513"/>
@@ -222,7 +221,7 @@
           <a:p>
             <a:fld id="{5A43E6F6-A961-4A78-89E5-CFC0EFE3D8E5}" type="datetimeFigureOut">
               <a:rPr lang="zh-TW" altLang="en-US" smtClean="0"/>
-              <a:t>2023/5/26</a:t>
+              <a:t>2023/6/10</a:t>
             </a:fld>
             <a:endParaRPr lang="zh-TW" altLang="en-US"/>
           </a:p>
@@ -387,7 +386,7 @@
           <a:p>
             <a:fld id="{A26C88DB-A164-425F-ACC5-40DDB186ED46}" type="datetimeFigureOut">
               <a:rPr lang="zh-TW" altLang="en-US" smtClean="0"/>
-              <a:t>2023/5/26</a:t>
+              <a:t>2023/6/10</a:t>
             </a:fld>
             <a:endParaRPr lang="zh-TW" altLang="en-US"/>
           </a:p>
@@ -822,7 +821,7 @@
     </p:spTree>
     <p:extLst>
       <p:ext uri="{BB962C8B-B14F-4D97-AF65-F5344CB8AC3E}">
-        <p14:creationId xmlns:p14="http://schemas.microsoft.com/office/powerpoint/2010/main" val="3736125408"/>
+        <p14:creationId xmlns:p14="http://schemas.microsoft.com/office/powerpoint/2010/main" val="1486448262"/>
       </p:ext>
     </p:extLst>
   </p:cSld>
@@ -911,7 +910,7 @@
     </p:spTree>
     <p:extLst>
       <p:ext uri="{BB962C8B-B14F-4D97-AF65-F5344CB8AC3E}">
-        <p14:creationId xmlns:p14="http://schemas.microsoft.com/office/powerpoint/2010/main" val="1486448262"/>
+        <p14:creationId xmlns:p14="http://schemas.microsoft.com/office/powerpoint/2010/main" val="3373223143"/>
       </p:ext>
     </p:extLst>
   </p:cSld>
@@ -1000,7 +999,7 @@
     </p:spTree>
     <p:extLst>
       <p:ext uri="{BB962C8B-B14F-4D97-AF65-F5344CB8AC3E}">
-        <p14:creationId xmlns:p14="http://schemas.microsoft.com/office/powerpoint/2010/main" val="3373223143"/>
+        <p14:creationId xmlns:p14="http://schemas.microsoft.com/office/powerpoint/2010/main" val="28630467"/>
       </p:ext>
     </p:extLst>
   </p:cSld>
@@ -1089,7 +1088,7 @@
     </p:spTree>
     <p:extLst>
       <p:ext uri="{BB962C8B-B14F-4D97-AF65-F5344CB8AC3E}">
-        <p14:creationId xmlns:p14="http://schemas.microsoft.com/office/powerpoint/2010/main" val="28630467"/>
+        <p14:creationId xmlns:p14="http://schemas.microsoft.com/office/powerpoint/2010/main" val="3694279912"/>
       </p:ext>
     </p:extLst>
   </p:cSld>
@@ -1178,7 +1177,7 @@
     </p:spTree>
     <p:extLst>
       <p:ext uri="{BB962C8B-B14F-4D97-AF65-F5344CB8AC3E}">
-        <p14:creationId xmlns:p14="http://schemas.microsoft.com/office/powerpoint/2010/main" val="3694279912"/>
+        <p14:creationId xmlns:p14="http://schemas.microsoft.com/office/powerpoint/2010/main" val="1317310830"/>
       </p:ext>
     </p:extLst>
   </p:cSld>
@@ -1267,7 +1266,7 @@
     </p:spTree>
     <p:extLst>
       <p:ext uri="{BB962C8B-B14F-4D97-AF65-F5344CB8AC3E}">
-        <p14:creationId xmlns:p14="http://schemas.microsoft.com/office/powerpoint/2010/main" val="1317310830"/>
+        <p14:creationId xmlns:p14="http://schemas.microsoft.com/office/powerpoint/2010/main" val="3415662482"/>
       </p:ext>
     </p:extLst>
   </p:cSld>
@@ -1348,95 +1347,6 @@
             <a:fld id="{9F2D3DB4-C0FA-43BA-BA76-F845CF10D435}" type="slidenum">
               <a:rPr lang="zh-TW" altLang="en-US" smtClean="0"/>
               <a:t>8</a:t>
-            </a:fld>
-            <a:endParaRPr lang="zh-TW" altLang="en-US"/>
-          </a:p>
-        </p:txBody>
-      </p:sp>
-    </p:spTree>
-    <p:extLst>
-      <p:ext uri="{BB962C8B-B14F-4D97-AF65-F5344CB8AC3E}">
-        <p14:creationId xmlns:p14="http://schemas.microsoft.com/office/powerpoint/2010/main" val="3415662482"/>
-      </p:ext>
-    </p:extLst>
-  </p:cSld>
-  <p:clrMapOvr>
-    <a:masterClrMapping/>
-  </p:clrMapOvr>
-</p:notes>
-</file>
-
-<file path=ppt/notesSlides/notesSlide9.xml><?xml version="1.0" encoding="utf-8"?>
-<p:notes xmlns:a="http://schemas.openxmlformats.org/drawingml/2006/main" xmlns:r="http://schemas.openxmlformats.org/officeDocument/2006/relationships" xmlns:p="http://schemas.openxmlformats.org/presentationml/2006/main">
-  <p:cSld>
-    <p:spTree>
-      <p:nvGrpSpPr>
-        <p:cNvPr id="1" name=""/>
-        <p:cNvGrpSpPr/>
-        <p:nvPr/>
-      </p:nvGrpSpPr>
-      <p:grpSpPr>
-        <a:xfrm>
-          <a:off x="0" y="0"/>
-          <a:ext cx="0" cy="0"/>
-          <a:chOff x="0" y="0"/>
-          <a:chExt cx="0" cy="0"/>
-        </a:xfrm>
-      </p:grpSpPr>
-      <p:sp>
-        <p:nvSpPr>
-          <p:cNvPr id="2" name="投影片圖像版面配置區 1"/>
-          <p:cNvSpPr>
-            <a:spLocks noGrp="1" noRot="1" noChangeAspect="1"/>
-          </p:cNvSpPr>
-          <p:nvPr>
-            <p:ph type="sldImg"/>
-          </p:nvPr>
-        </p:nvSpPr>
-        <p:spPr>
-          <a:xfrm>
-            <a:off x="919163" y="746125"/>
-            <a:ext cx="4970462" cy="3727450"/>
-          </a:xfrm>
-        </p:spPr>
-      </p:sp>
-      <p:sp>
-        <p:nvSpPr>
-          <p:cNvPr id="3" name="備忘稿版面配置區 2"/>
-          <p:cNvSpPr>
-            <a:spLocks noGrp="1"/>
-          </p:cNvSpPr>
-          <p:nvPr>
-            <p:ph type="body" idx="1"/>
-          </p:nvPr>
-        </p:nvSpPr>
-        <p:spPr/>
-        <p:txBody>
-          <a:bodyPr/>
-          <a:lstStyle/>
-          <a:p>
-            <a:endParaRPr lang="zh-TW" altLang="en-US" dirty="0"/>
-          </a:p>
-        </p:txBody>
-      </p:sp>
-      <p:sp>
-        <p:nvSpPr>
-          <p:cNvPr id="4" name="投影片編號版面配置區 3"/>
-          <p:cNvSpPr>
-            <a:spLocks noGrp="1"/>
-          </p:cNvSpPr>
-          <p:nvPr>
-            <p:ph type="sldNum" sz="quarter" idx="10"/>
-          </p:nvPr>
-        </p:nvSpPr>
-        <p:spPr/>
-        <p:txBody>
-          <a:bodyPr/>
-          <a:lstStyle/>
-          <a:p>
-            <a:fld id="{9F2D3DB4-C0FA-43BA-BA76-F845CF10D435}" type="slidenum">
-              <a:rPr lang="zh-TW" altLang="en-US" smtClean="0"/>
-              <a:t>9</a:t>
             </a:fld>
             <a:endParaRPr lang="zh-TW" altLang="en-US"/>
           </a:p>
@@ -2115,7 +2025,7 @@
           <a:p>
             <a:fld id="{B6A193DD-A411-4AA0-BD7F-D7ECEA9F5FF2}" type="datetime1">
               <a:rPr lang="zh-TW" altLang="en-US" smtClean="0"/>
-              <a:t>2023/5/26</a:t>
+              <a:t>2023/6/10</a:t>
             </a:fld>
             <a:endParaRPr lang="zh-TW" altLang="en-US"/>
           </a:p>
@@ -2298,7 +2208,7 @@
           <a:p>
             <a:fld id="{E18E9B2E-24AA-42DE-B261-12ABCFBDFCF0}" type="datetime1">
               <a:rPr lang="zh-TW" altLang="en-US" smtClean="0"/>
-              <a:t>2023/5/26</a:t>
+              <a:t>2023/6/10</a:t>
             </a:fld>
             <a:endParaRPr lang="zh-TW" altLang="en-US"/>
           </a:p>
@@ -2473,7 +2383,7 @@
           <a:p>
             <a:fld id="{843B20B4-4DCC-4185-A0C3-9255A33528B4}" type="datetime1">
               <a:rPr lang="zh-TW" altLang="en-US" smtClean="0"/>
-              <a:t>2023/5/26</a:t>
+              <a:t>2023/6/10</a:t>
             </a:fld>
             <a:endParaRPr lang="zh-TW" altLang="en-US"/>
           </a:p>
@@ -2670,7 +2580,7 @@
           <a:p>
             <a:fld id="{3065080D-AD50-450D-BC9D-9E65710D70CA}" type="datetime1">
               <a:rPr lang="zh-TW" altLang="en-US" smtClean="0"/>
-              <a:t>2023/5/26</a:t>
+              <a:t>2023/6/10</a:t>
             </a:fld>
             <a:endParaRPr lang="zh-TW" altLang="en-US"/>
           </a:p>
@@ -2891,7 +2801,7 @@
           <a:p>
             <a:fld id="{89A8155F-A47E-4F89-8125-F573281ABBF1}" type="datetime1">
               <a:rPr lang="zh-TW" altLang="en-US" smtClean="0"/>
-              <a:t>2023/5/26</a:t>
+              <a:t>2023/6/10</a:t>
             </a:fld>
             <a:endParaRPr lang="zh-TW" altLang="en-US"/>
           </a:p>
@@ -3150,7 +3060,7 @@
           <a:p>
             <a:fld id="{D70A0D5A-6F4E-4BCB-9EC3-AF156BE55315}" type="datetime1">
               <a:rPr lang="zh-TW" altLang="en-US" smtClean="0"/>
-              <a:t>2023/5/26</a:t>
+              <a:t>2023/6/10</a:t>
             </a:fld>
             <a:endParaRPr lang="zh-TW" altLang="en-US"/>
           </a:p>
@@ -3554,7 +3464,7 @@
           <a:p>
             <a:fld id="{75FD6B75-A044-44AC-BED4-2EF8C3CE0882}" type="datetime1">
               <a:rPr lang="zh-TW" altLang="en-US" smtClean="0"/>
-              <a:t>2023/5/26</a:t>
+              <a:t>2023/6/10</a:t>
             </a:fld>
             <a:endParaRPr lang="zh-TW" altLang="en-US"/>
           </a:p>
@@ -3685,7 +3595,7 @@
           <a:p>
             <a:fld id="{F8999DF6-3956-429C-893E-791DE8FFED4E}" type="datetime1">
               <a:rPr lang="zh-TW" altLang="en-US" smtClean="0"/>
-              <a:t>2023/5/26</a:t>
+              <a:t>2023/6/10</a:t>
             </a:fld>
             <a:endParaRPr lang="zh-TW" altLang="en-US"/>
           </a:p>
@@ -3785,7 +3695,7 @@
           <a:p>
             <a:fld id="{CD03D270-4C0F-46A6-8ECB-2705627C0C69}" type="datetime1">
               <a:rPr lang="zh-TW" altLang="en-US" smtClean="0"/>
-              <a:t>2023/5/26</a:t>
+              <a:t>2023/6/10</a:t>
             </a:fld>
             <a:endParaRPr lang="zh-TW" altLang="en-US"/>
           </a:p>
@@ -4030,7 +3940,7 @@
           <a:p>
             <a:fld id="{8EB89303-959B-4841-AA4B-2B0336BAAA1D}" type="datetime1">
               <a:rPr lang="zh-TW" altLang="en-US" smtClean="0"/>
-              <a:t>2023/5/26</a:t>
+              <a:t>2023/6/10</a:t>
             </a:fld>
             <a:endParaRPr lang="zh-TW" altLang="en-US"/>
           </a:p>
@@ -4274,7 +4184,7 @@
           <a:p>
             <a:fld id="{8164B489-6BF5-4291-A788-E5FE3A9A5100}" type="datetime1">
               <a:rPr lang="zh-TW" altLang="en-US" smtClean="0"/>
-              <a:t>2023/5/26</a:t>
+              <a:t>2023/6/10</a:t>
             </a:fld>
             <a:endParaRPr lang="zh-TW" altLang="en-US"/>
           </a:p>
@@ -5101,7 +5011,7 @@
             <a:fld id="{B925E0BC-CC92-487F-A1AB-77BBBAB16C25}" type="datetime1">
               <a:rPr lang="zh-TW" altLang="en-US" smtClean="0"/>
               <a:pPr/>
-              <a:t>2023/5/26</a:t>
+              <a:t>2023/6/10</a:t>
             </a:fld>
             <a:endParaRPr lang="zh-TW" altLang="en-US" dirty="0"/>
           </a:p>
@@ -5521,7 +5431,7 @@
           <a:p>
             <a:r>
               <a:rPr lang="en-US" altLang="zh-TW" sz="3600" b="1" dirty="0"/>
-              <a:t>MARS-PLUS Windows Static Binary</a:t>
+              <a:t>MARS-PLUS Windows version</a:t>
             </a:r>
           </a:p>
         </p:txBody>
@@ -5553,19 +5463,37 @@
                 <a:spcPct val="150000"/>
               </a:lnSpc>
             </a:pPr>
-            <a:r>
-              <a:rPr lang="en-US" altLang="zh-TW" b="1" dirty="0">
-                <a:latin typeface="+mn-lt"/>
-                <a:ea typeface="+mj-ea"/>
-              </a:rPr>
-              <a:t>Speaker:</a:t>
-            </a:r>
+            <a:endParaRPr lang="en-US" altLang="zh-TW" dirty="0">
+              <a:latin typeface="+mn-lt"/>
+              <a:ea typeface="+mj-ea"/>
+            </a:endParaRPr>
+          </a:p>
+          <a:p>
+            <a:pPr>
+              <a:lnSpc>
+                <a:spcPct val="150000"/>
+              </a:lnSpc>
+            </a:pPr>
             <a:r>
               <a:rPr lang="en-US" altLang="zh-TW" dirty="0">
                 <a:latin typeface="+mn-lt"/>
                 <a:ea typeface="+mj-ea"/>
               </a:rPr>
-              <a:t> </a:t>
+              <a:t>Chen-</a:t>
+            </a:r>
+            <a:r>
+              <a:rPr lang="en-US" altLang="zh-TW" dirty="0" err="1">
+                <a:latin typeface="+mn-lt"/>
+                <a:ea typeface="+mj-ea"/>
+              </a:rPr>
+              <a:t>Hsuan</a:t>
+            </a:r>
+            <a:r>
+              <a:rPr lang="en-US" altLang="zh-TW" dirty="0">
+                <a:latin typeface="+mn-lt"/>
+                <a:ea typeface="+mj-ea"/>
+              </a:rPr>
+              <a:t> Huang </a:t>
             </a:r>
             <a:r>
               <a:rPr lang="zh-TW" altLang="en-US" dirty="0">
@@ -5579,34 +5507,6 @@
                 <a:latin typeface="+mn-lt"/>
                 <a:ea typeface="+mj-ea"/>
               </a:rPr>
-              <a:t>Chen-</a:t>
-            </a:r>
-            <a:r>
-              <a:rPr lang="en-US" altLang="zh-TW" dirty="0" err="1">
-                <a:latin typeface="+mn-lt"/>
-                <a:ea typeface="+mj-ea"/>
-              </a:rPr>
-              <a:t>Hsuan</a:t>
-            </a:r>
-            <a:r>
-              <a:rPr lang="en-US" altLang="zh-TW" dirty="0">
-                <a:latin typeface="+mn-lt"/>
-                <a:ea typeface="+mj-ea"/>
-              </a:rPr>
-              <a:t> Huang </a:t>
-            </a:r>
-            <a:r>
-              <a:rPr lang="zh-TW" altLang="en-US" dirty="0">
-                <a:latin typeface="+mn-lt"/>
-                <a:ea typeface="+mj-ea"/>
-              </a:rPr>
-              <a:t> </a:t>
-            </a:r>
-            <a:r>
-              <a:rPr lang="en-US" altLang="zh-TW" dirty="0">
-                <a:latin typeface="+mn-lt"/>
-                <a:ea typeface="+mj-ea"/>
-              </a:rPr>
               <a:t>(</a:t>
             </a:r>
             <a:r>
@@ -5621,35 +5521,7 @@
                 <a:latin typeface="+mn-lt"/>
                 <a:ea typeface="+mj-ea"/>
               </a:rPr>
-              <a:t>)</a:t>
-            </a:r>
-          </a:p>
-          <a:p>
-            <a:pPr>
-              <a:lnSpc>
-                <a:spcPct val="150000"/>
-              </a:lnSpc>
-            </a:pPr>
-            <a:r>
-              <a:rPr lang="en-US" altLang="zh-TW" b="1" dirty="0">
-                <a:latin typeface="+mn-lt"/>
-                <a:ea typeface="+mj-ea"/>
-              </a:rPr>
-              <a:t>Advisor:</a:t>
-            </a:r>
-            <a:r>
-              <a:rPr lang="zh-TW" altLang="en-US" dirty="0">
-                <a:latin typeface="+mn-lt"/>
-                <a:ea typeface="+mj-ea"/>
-              </a:rPr>
-              <a:t>  </a:t>
-            </a:r>
-            <a:r>
-              <a:rPr lang="en-US" altLang="zh-TW" dirty="0">
-                <a:latin typeface="+mn-lt"/>
-                <a:ea typeface="+mj-ea"/>
-              </a:rPr>
-              <a:t>Dr. </a:t>
+              <a:t>) &amp; Dr. </a:t>
             </a:r>
             <a:r>
               <a:rPr lang="en-US" altLang="zh-TW" dirty="0" err="1">
@@ -5807,20 +5679,14 @@
       </p:sp>
       <p:sp>
         <p:nvSpPr>
-          <p:cNvPr id="2" name="文字方塊 1">
-            <a:extLst>
-              <a:ext uri="{FF2B5EF4-FFF2-40B4-BE49-F238E27FC236}">
-                <a16:creationId xmlns:a16="http://schemas.microsoft.com/office/drawing/2014/main" id="{06A73391-52B0-421C-9A45-7226764664B5}"/>
-              </a:ext>
-            </a:extLst>
-          </p:cNvPr>
+          <p:cNvPr id="15" name="文字方塊 14"/>
           <p:cNvSpPr txBox="1"/>
           <p:nvPr/>
         </p:nvSpPr>
         <p:spPr>
           <a:xfrm>
-            <a:off x="611560" y="1844824"/>
-            <a:ext cx="6923690" cy="958660"/>
+            <a:off x="269522" y="476672"/>
+            <a:ext cx="8046894" cy="574581"/>
           </a:xfrm>
           <a:prstGeom prst="rect">
             <a:avLst/>
@@ -5828,181 +5694,388 @@
           <a:noFill/>
         </p:spPr>
         <p:txBody>
-          <a:bodyPr wrap="none" rtlCol="0">
+          <a:bodyPr wrap="square" rtlCol="0">
             <a:spAutoFit/>
           </a:bodyPr>
           <a:lstStyle/>
           <a:p>
-            <a:pPr marL="457200" indent="-457200">
+            <a:pPr>
+              <a:lnSpc>
+                <a:spcPct val="114000"/>
+              </a:lnSpc>
+            </a:pPr>
+            <a:r>
+              <a:rPr lang="en-US" altLang="zh-TW" sz="3000" b="1" dirty="0">
+                <a:latin typeface="Arial" panose="020B0604020202020204" pitchFamily="34" charset="0"/>
+                <a:cs typeface="Arial" panose="020B0604020202020204" pitchFamily="34" charset="0"/>
+              </a:rPr>
+              <a:t>Usage </a:t>
+            </a:r>
+            <a:endParaRPr lang="zh-TW" altLang="en-US" sz="3000" b="1" dirty="0">
+              <a:latin typeface="Arial" panose="020B0604020202020204" pitchFamily="34" charset="0"/>
+              <a:cs typeface="Arial" panose="020B0604020202020204" pitchFamily="34" charset="0"/>
+            </a:endParaRPr>
+          </a:p>
+        </p:txBody>
+      </p:sp>
+      <p:sp>
+        <p:nvSpPr>
+          <p:cNvPr id="31" name="矩形 30"/>
+          <p:cNvSpPr/>
+          <p:nvPr/>
+        </p:nvSpPr>
+        <p:spPr>
+          <a:xfrm>
+            <a:off x="269522" y="980728"/>
+            <a:ext cx="8622958" cy="5228804"/>
+          </a:xfrm>
+          <a:prstGeom prst="rect">
+            <a:avLst/>
+          </a:prstGeom>
+        </p:spPr>
+        <p:txBody>
+          <a:bodyPr wrap="square">
+            <a:spAutoFit/>
+          </a:bodyPr>
+          <a:lstStyle/>
+          <a:p>
+            <a:pPr marL="257175" indent="-257175">
               <a:lnSpc>
                 <a:spcPct val="150000"/>
               </a:lnSpc>
               <a:buClr>
-                <a:srgbClr val="7030A0"/>
+                <a:schemeClr val="accent3">
+                  <a:lumMod val="75000"/>
+                </a:schemeClr>
               </a:buClr>
               <a:buFont typeface="Arial" panose="020B0604020202020204" pitchFamily="34" charset="0"/>
               <a:buChar char="•"/>
             </a:pPr>
             <a:r>
-              <a:rPr lang="en-US" altLang="zh-TW" sz="2000" dirty="0"/>
-              <a:t>Delete </a:t>
-            </a:r>
-            <a:r>
-              <a:rPr lang="fr-FR" altLang="zh-TW" sz="1600" i="1" dirty="0"/>
-              <a:t>MARS-PLUS_WINS_binary\MARS-PLUS\</a:t>
-            </a:r>
-            <a:r>
-              <a:rPr lang="en-US" altLang="zh-TW" sz="1600" i="1" dirty="0">
+              <a:rPr lang="en-US" altLang="zh-TW" b="1" dirty="0">
+                <a:ea typeface="+mj-ea"/>
+              </a:rPr>
+              <a:t>Check the control file:</a:t>
+            </a:r>
+            <a:r>
+              <a:rPr lang="zh-TW" altLang="en-US" b="1" dirty="0">
+                <a:ea typeface="+mj-ea"/>
+              </a:rPr>
+              <a:t>  </a:t>
+            </a:r>
+            <a:r>
+              <a:rPr lang="fr-FR" altLang="zh-TW" sz="1400" i="1" dirty="0">
+                <a:solidFill>
+                  <a:srgbClr val="C00000"/>
+                </a:solidFill>
+                <a:ea typeface="+mj-ea"/>
+              </a:rPr>
+              <a:t>MARS-PLUS-Wins\MARS-PLUS\INPUTS\control.in</a:t>
+            </a:r>
+            <a:br>
+              <a:rPr lang="fr-FR" altLang="zh-TW" sz="1400" i="1" dirty="0">
+                <a:solidFill>
+                  <a:srgbClr val="C00000"/>
+                </a:solidFill>
+                <a:ea typeface="+mj-ea"/>
+              </a:rPr>
+            </a:br>
+            <a:br>
+              <a:rPr lang="fr-FR" altLang="zh-TW" sz="1400" dirty="0">
+                <a:solidFill>
+                  <a:srgbClr val="C00000"/>
+                </a:solidFill>
+                <a:ea typeface="+mj-ea"/>
+              </a:rPr>
+            </a:br>
+            <a:r>
+              <a:rPr lang="en-US" altLang="zh-TW" sz="1200" dirty="0">
+                <a:solidFill>
+                  <a:srgbClr val="C00000"/>
+                </a:solidFill>
+                <a:ea typeface="+mj-ea"/>
+              </a:rPr>
+              <a:t>PROGRAM_DIR: </a:t>
+            </a:r>
+            <a:r>
+              <a:rPr lang="en-US" altLang="zh-TW" sz="1200" dirty="0">
+                <a:ea typeface="+mj-ea"/>
+              </a:rPr>
+              <a:t>Directory of MARS-PLUS source code                                      (No need to revise)</a:t>
+            </a:r>
+            <a:br>
+              <a:rPr lang="en-US" altLang="zh-TW" sz="1200" dirty="0">
+                <a:ea typeface="+mj-ea"/>
+              </a:rPr>
+            </a:br>
+            <a:r>
+              <a:rPr lang="en-US" altLang="zh-TW" sz="1200" dirty="0">
                 <a:solidFill>
                   <a:srgbClr val="C00000"/>
                 </a:solidFill>
               </a:rPr>
-              <a:t>MARS-</a:t>
-            </a:r>
-            <a:r>
-              <a:rPr lang="en-US" altLang="zh-TW" sz="1600" i="1" dirty="0" err="1">
+              <a:t>MDS_DIR: </a:t>
+            </a:r>
+            <a:r>
+              <a:rPr lang="en-US" altLang="zh-TW" sz="1200" dirty="0"/>
+              <a:t>Directory for outputting “molecular data structures” (i.e. .enc files)       (No need to revise)</a:t>
+            </a:r>
+            <a:br>
+              <a:rPr lang="en-US" altLang="zh-TW" sz="1200" dirty="0"/>
+            </a:br>
+            <a:r>
+              <a:rPr lang="en-US" altLang="zh-TW" sz="1200" dirty="0">
                 <a:solidFill>
                   <a:srgbClr val="C00000"/>
                 </a:solidFill>
               </a:rPr>
-              <a:t>PLUS.dev</a:t>
-            </a:r>
-            <a:r>
-              <a:rPr lang="en-US" altLang="zh-TW" sz="1600" dirty="0">
+              <a:t>LOG_DIR: </a:t>
+            </a:r>
+            <a:r>
+              <a:rPr lang="en-US" altLang="zh-TW" sz="1200" dirty="0"/>
+              <a:t>Directory for outputting the tabulated results of operations                    (No need to revise)</a:t>
+            </a:r>
+            <a:br>
+              <a:rPr lang="en-US" altLang="zh-TW" sz="1200" dirty="0"/>
+            </a:br>
+            <a:r>
+              <a:rPr lang="en-US" altLang="zh-TW" sz="1200" dirty="0">
                 <a:solidFill>
                   <a:srgbClr val="C00000"/>
                 </a:solidFill>
               </a:rPr>
-              <a:t> </a:t>
+              <a:t>ELEMENT_LIST:  </a:t>
+            </a:r>
+            <a:r>
+              <a:rPr lang="en-US" altLang="zh-TW" sz="1200" dirty="0"/>
+              <a:t>The specifications of each “building genes”                                 (No need to revise)</a:t>
             </a:r>
             <a:br>
-              <a:rPr lang="en-US" altLang="zh-TW" sz="2000" dirty="0"/>
+              <a:rPr lang="en-US" altLang="zh-TW" sz="1200" dirty="0"/>
             </a:br>
             <a:r>
-              <a:rPr lang="en-US" altLang="zh-TW" sz="2000" dirty="0"/>
-              <a:t>and the directory </a:t>
-            </a:r>
-            <a:r>
-              <a:rPr lang="fr-FR" altLang="zh-TW" sz="1600" i="1" dirty="0"/>
-              <a:t>MARS-PLUS_WINS_binary\MARS-PLUS\</a:t>
-            </a:r>
-            <a:r>
-              <a:rPr lang="en-US" altLang="zh-TW" sz="1600" i="1" dirty="0" err="1">
+              <a:rPr lang="en-US" altLang="zh-TW" sz="1200" dirty="0">
                 <a:solidFill>
                   <a:srgbClr val="C00000"/>
                 </a:solidFill>
               </a:rPr>
-              <a:t>src</a:t>
-            </a:r>
-            <a:endParaRPr lang="zh-TW" altLang="en-US" sz="1600" dirty="0">
-              <a:solidFill>
-                <a:srgbClr val="C00000"/>
-              </a:solidFill>
-            </a:endParaRPr>
-          </a:p>
-        </p:txBody>
-      </p:sp>
-      <p:sp>
-        <p:nvSpPr>
-          <p:cNvPr id="19" name="文字方塊 18">
-            <a:extLst>
-              <a:ext uri="{FF2B5EF4-FFF2-40B4-BE49-F238E27FC236}">
-                <a16:creationId xmlns:a16="http://schemas.microsoft.com/office/drawing/2014/main" id="{50F634A1-89DB-4442-A43F-F5A6C5A2708E}"/>
-              </a:ext>
-            </a:extLst>
-          </p:cNvPr>
-          <p:cNvSpPr txBox="1"/>
-          <p:nvPr/>
-        </p:nvSpPr>
-        <p:spPr>
-          <a:xfrm>
-            <a:off x="269522" y="476672"/>
-            <a:ext cx="8478942" cy="1015663"/>
-          </a:xfrm>
-          <a:prstGeom prst="rect">
-            <a:avLst/>
-          </a:prstGeom>
-          <a:noFill/>
-        </p:spPr>
-        <p:txBody>
-          <a:bodyPr wrap="square" rtlCol="0">
-            <a:spAutoFit/>
-          </a:bodyPr>
-          <a:lstStyle/>
-          <a:p>
-            <a:r>
-              <a:rPr lang="en-US" altLang="zh-TW" sz="3000" b="1" dirty="0">
-                <a:latin typeface="Arial" panose="020B0604020202020204" pitchFamily="34" charset="0"/>
-                <a:cs typeface="Arial" panose="020B0604020202020204" pitchFamily="34" charset="0"/>
+              <a:t>IF_ION: </a:t>
+            </a:r>
+            <a:r>
+              <a:rPr lang="en-US" altLang="zh-TW" sz="1200" dirty="0"/>
+              <a:t> 1 for demonstrating ILs/salts case, 0 for demonstrating neutral molecule case</a:t>
+            </a:r>
+            <a:br>
+              <a:rPr lang="en-US" altLang="zh-TW" sz="1200" dirty="0"/>
+            </a:br>
+            <a:r>
+              <a:rPr lang="en-US" altLang="zh-TW" sz="1200" dirty="0">
+                <a:solidFill>
+                  <a:srgbClr val="C00000"/>
+                </a:solidFill>
               </a:rPr>
-              <a:t>Package Distribution without </a:t>
+              <a:t>IF_OUTPUT_MDS: </a:t>
+            </a:r>
+            <a:r>
+              <a:rPr lang="en-US" altLang="zh-TW" sz="1200" dirty="0"/>
+              <a:t> 1 for outputting “molecular data structures” (i.e. .enc files) to </a:t>
+            </a:r>
+            <a:r>
+              <a:rPr lang="en-US" altLang="zh-TW" sz="1200" dirty="0">
+                <a:solidFill>
+                  <a:srgbClr val="C00000"/>
+                </a:solidFill>
+              </a:rPr>
+              <a:t>MDS_DIR</a:t>
+            </a:r>
+            <a:r>
+              <a:rPr lang="en-US" altLang="zh-TW" sz="1200" dirty="0"/>
+              <a:t>. 0 for disabling it.</a:t>
             </a:r>
             <a:br>
-              <a:rPr lang="en-US" altLang="zh-TW" sz="3000" b="1" dirty="0">
-                <a:latin typeface="Arial" panose="020B0604020202020204" pitchFamily="34" charset="0"/>
-                <a:cs typeface="Arial" panose="020B0604020202020204" pitchFamily="34" charset="0"/>
+              <a:rPr lang="en-US" altLang="zh-TW" sz="1200" dirty="0"/>
+            </a:br>
+            <a:r>
+              <a:rPr lang="en-US" altLang="zh-TW" sz="1200" dirty="0">
+                <a:solidFill>
+                  <a:srgbClr val="C00000"/>
+                </a:solidFill>
+              </a:rPr>
+              <a:t>IF_PROTECT: </a:t>
+            </a:r>
+            <a:r>
+              <a:rPr lang="en-US" altLang="zh-TW" sz="1200" dirty="0"/>
+              <a:t> 1 for activating molecular fragment protection (e.g. charged atoms). 0 for disabling it.</a:t>
+            </a:r>
+            <a:br>
+              <a:rPr lang="en-US" altLang="zh-TW" sz="1200" dirty="0"/>
+            </a:br>
+            <a:r>
+              <a:rPr lang="en-US" altLang="zh-TW" sz="1200" dirty="0"/>
+              <a:t>                         Protection prevents fragments from operations. See </a:t>
+            </a:r>
+            <a:r>
+              <a:rPr lang="en-US" altLang="zh-TW" sz="1200" i="1" dirty="0" err="1"/>
+              <a:t>prct</a:t>
+            </a:r>
+            <a:r>
+              <a:rPr lang="en-US" altLang="zh-TW" sz="1200" i="1" dirty="0"/>
+              <a:t>()</a:t>
+            </a:r>
+            <a:r>
+              <a:rPr lang="en-US" altLang="zh-TW" sz="1200" dirty="0"/>
+              <a:t> function in </a:t>
+            </a:r>
+            <a:r>
+              <a:rPr lang="en-US" altLang="zh-TW" sz="1200" i="1" dirty="0"/>
+              <a:t>MOLECULE.cpp</a:t>
+            </a:r>
+            <a:r>
+              <a:rPr lang="en-US" altLang="zh-TW" sz="1200" dirty="0"/>
+              <a:t>.</a:t>
+            </a:r>
+            <a:br>
+              <a:rPr lang="en-US" altLang="zh-TW" sz="1200" dirty="0">
+                <a:ea typeface="+mj-ea"/>
               </a:rPr>
             </a:br>
             <a:r>
-              <a:rPr lang="en-US" altLang="zh-TW" sz="3000" b="1" dirty="0">
-                <a:latin typeface="Arial" panose="020B0604020202020204" pitchFamily="34" charset="0"/>
-                <a:cs typeface="Arial" panose="020B0604020202020204" pitchFamily="34" charset="0"/>
+              <a:rPr lang="en-US" altLang="zh-TW" sz="1200" dirty="0">
+                <a:solidFill>
+                  <a:srgbClr val="C00000"/>
+                </a:solidFill>
+                <a:ea typeface="+mj-ea"/>
               </a:rPr>
-              <a:t>Revealing the Source Codes of MARS-PLUS</a:t>
-            </a:r>
-            <a:endParaRPr lang="zh-TW" altLang="en-US" sz="3000" b="1" dirty="0">
-              <a:latin typeface="Arial" panose="020B0604020202020204" pitchFamily="34" charset="0"/>
-              <a:cs typeface="Arial" panose="020B0604020202020204" pitchFamily="34" charset="0"/>
-            </a:endParaRPr>
-          </a:p>
-        </p:txBody>
-      </p:sp>
-      <p:sp>
-        <p:nvSpPr>
-          <p:cNvPr id="20" name="文字方塊 19">
-            <a:extLst>
-              <a:ext uri="{FF2B5EF4-FFF2-40B4-BE49-F238E27FC236}">
-                <a16:creationId xmlns:a16="http://schemas.microsoft.com/office/drawing/2014/main" id="{9C7D8059-DAA1-43ED-955B-EED1691EBE97}"/>
-              </a:ext>
-            </a:extLst>
-          </p:cNvPr>
-          <p:cNvSpPr txBox="1"/>
-          <p:nvPr/>
-        </p:nvSpPr>
-        <p:spPr>
-          <a:xfrm>
-            <a:off x="611560" y="3789040"/>
-            <a:ext cx="1999265" cy="496996"/>
-          </a:xfrm>
-          <a:prstGeom prst="rect">
-            <a:avLst/>
-          </a:prstGeom>
-          <a:noFill/>
-        </p:spPr>
-        <p:txBody>
-          <a:bodyPr wrap="none" rtlCol="0">
-            <a:spAutoFit/>
-          </a:bodyPr>
-          <a:lstStyle/>
-          <a:p>
-            <a:pPr marL="457200" indent="-457200">
-              <a:lnSpc>
-                <a:spcPct val="150000"/>
-              </a:lnSpc>
-              <a:buClr>
-                <a:srgbClr val="7030A0"/>
-              </a:buClr>
-              <a:buFont typeface="Arial" panose="020B0604020202020204" pitchFamily="34" charset="0"/>
-              <a:buChar char="•"/>
-            </a:pPr>
-            <a:r>
-              <a:rPr lang="en-US" altLang="zh-TW" sz="2000"/>
-              <a:t>Distribute it.</a:t>
-            </a:r>
-            <a:endParaRPr lang="zh-TW" altLang="en-US" sz="1600" dirty="0">
-              <a:solidFill>
-                <a:srgbClr val="C00000"/>
-              </a:solidFill>
+              <a:t>OPERATIONS:</a:t>
+            </a:r>
+            <a:r>
+              <a:rPr lang="en-US" altLang="zh-TW" sz="1200" dirty="0">
+                <a:ea typeface="+mj-ea"/>
+              </a:rPr>
+              <a:t> The operations you want to apply, typically </a:t>
+            </a:r>
+            <a:r>
+              <a:rPr lang="en-US" altLang="zh-TW" sz="1200" i="1" dirty="0">
+                <a:ea typeface="+mj-ea"/>
+              </a:rPr>
+              <a:t>ALL</a:t>
+            </a:r>
+            <a:r>
+              <a:rPr lang="en-US" altLang="zh-TW" sz="1200" dirty="0">
+                <a:ea typeface="+mj-ea"/>
+              </a:rPr>
+              <a:t>.</a:t>
+            </a:r>
+            <a:br>
+              <a:rPr lang="en-US" altLang="zh-TW" sz="1200" dirty="0">
+                <a:ea typeface="+mj-ea"/>
+              </a:rPr>
+            </a:br>
+            <a:r>
+              <a:rPr lang="en-US" altLang="zh-TW" sz="1200" dirty="0">
+                <a:solidFill>
+                  <a:srgbClr val="C00000"/>
+                </a:solidFill>
+                <a:ea typeface="+mj-ea"/>
+              </a:rPr>
+              <a:t>EPOCH</a:t>
+            </a:r>
+            <a:r>
+              <a:rPr lang="en-US" altLang="zh-TW" sz="1200" dirty="0">
+                <a:solidFill>
+                  <a:srgbClr val="C00000"/>
+                </a:solidFill>
+              </a:rPr>
+              <a:t>:</a:t>
+            </a:r>
+            <a:r>
+              <a:rPr lang="en-US" altLang="zh-TW" sz="1200" dirty="0"/>
+              <a:t> Epochs for iterative design. Specifying 1 if you do not need iteration.</a:t>
+            </a:r>
+            <a:br>
+              <a:rPr lang="en-US" altLang="zh-TW" sz="1200" dirty="0"/>
+            </a:br>
+            <a:r>
+              <a:rPr lang="en-US" altLang="zh-TW" sz="1200" dirty="0">
+                <a:solidFill>
+                  <a:srgbClr val="C00000"/>
+                </a:solidFill>
+              </a:rPr>
+              <a:t>CHEMICAL_IUPUTLIST:</a:t>
+            </a:r>
+            <a:r>
+              <a:rPr lang="en-US" altLang="zh-TW" sz="1200" dirty="0"/>
+              <a:t> </a:t>
+            </a:r>
+            <a:br>
+              <a:rPr lang="en-US" altLang="zh-TW" sz="1200" dirty="0"/>
+            </a:br>
+            <a:r>
+              <a:rPr lang="en-US" altLang="zh-TW" sz="1200" dirty="0"/>
+              <a:t>        For ILs/salts case (</a:t>
+            </a:r>
+            <a:r>
+              <a:rPr lang="en-US" altLang="zh-TW" sz="1200" dirty="0">
+                <a:solidFill>
+                  <a:srgbClr val="C00000"/>
+                </a:solidFill>
+              </a:rPr>
+              <a:t>IF_ION=1</a:t>
+            </a:r>
+            <a:r>
+              <a:rPr lang="en-US" altLang="zh-TW" sz="1200" dirty="0"/>
+              <a:t>), specify the route to a list that contains at least 1 IL/salts.  </a:t>
+            </a:r>
+            <a:br>
+              <a:rPr lang="en-US" altLang="zh-TW" sz="1200" dirty="0"/>
+            </a:br>
+            <a:r>
+              <a:rPr lang="en-US" altLang="zh-TW" sz="1200" dirty="0"/>
+              <a:t>	For example: </a:t>
+            </a:r>
+            <a:r>
+              <a:rPr lang="en-US" altLang="zh-TW" sz="1200" i="1" dirty="0"/>
+              <a:t>MARS-PLUS-Wins\MARS-PLUS\INPUTS\INPUT_CHEMICALS\IL4.in</a:t>
+            </a:r>
+            <a:br>
+              <a:rPr lang="en-US" altLang="zh-TW" sz="1200" dirty="0"/>
+            </a:br>
+            <a:r>
+              <a:rPr lang="en-US" altLang="zh-TW" sz="1200" dirty="0"/>
+              <a:t>        For neutral molecule case (</a:t>
+            </a:r>
+            <a:r>
+              <a:rPr lang="en-US" altLang="zh-TW" sz="1200" dirty="0">
+                <a:solidFill>
+                  <a:srgbClr val="C00000"/>
+                </a:solidFill>
+              </a:rPr>
+              <a:t>IF_ION=0</a:t>
+            </a:r>
+            <a:r>
+              <a:rPr lang="en-US" altLang="zh-TW" sz="1200" dirty="0"/>
+              <a:t>), specify the route to a list that contains at least 1 neutral molecule.  </a:t>
+            </a:r>
+            <a:br>
+              <a:rPr lang="en-US" altLang="zh-TW" sz="1200" dirty="0"/>
+            </a:br>
+            <a:r>
+              <a:rPr lang="en-US" altLang="zh-TW" sz="1200" dirty="0"/>
+              <a:t>	For example: </a:t>
+            </a:r>
+            <a:r>
+              <a:rPr lang="en-US" altLang="zh-TW" sz="1200" i="1" dirty="0"/>
+              <a:t>MARS-PLUS-Wins\MARS-PLUS\INPUTS\INPUT_CHEMICALS\IL.in</a:t>
+            </a:r>
+            <a:br>
+              <a:rPr lang="en-US" altLang="zh-TW" sz="1200" i="1" dirty="0"/>
+            </a:br>
+            <a:r>
+              <a:rPr lang="en-US" altLang="zh-TW" sz="1200" dirty="0"/>
+              <a:t>         You can use “#”  to  write comment .</a:t>
+            </a:r>
+            <a:endParaRPr lang="en-US" altLang="zh-TW" sz="1200" dirty="0">
+              <a:ea typeface="+mj-ea"/>
             </a:endParaRPr>
           </a:p>
         </p:txBody>
@@ -6013,7 +6086,7 @@
     </p:custDataLst>
     <p:extLst>
       <p:ext uri="{BB962C8B-B14F-4D97-AF65-F5344CB8AC3E}">
-        <p14:creationId xmlns:p14="http://schemas.microsoft.com/office/powerpoint/2010/main" val="3480871681"/>
+        <p14:creationId xmlns:p14="http://schemas.microsoft.com/office/powerpoint/2010/main" val="3286093914"/>
       </p:ext>
     </p:extLst>
   </p:cSld>
@@ -6084,7 +6157,7 @@
         <p:spPr>
           <a:xfrm>
             <a:off x="269522" y="476672"/>
-            <a:ext cx="8046894" cy="574581"/>
+            <a:ext cx="8046894" cy="553998"/>
           </a:xfrm>
           <a:prstGeom prst="rect">
             <a:avLst/>
@@ -6097,11 +6170,6 @@
           </a:bodyPr>
           <a:lstStyle/>
           <a:p>
-            <a:pPr>
-              <a:lnSpc>
-                <a:spcPct val="114000"/>
-              </a:lnSpc>
-            </a:pPr>
             <a:r>
               <a:rPr lang="en-US" altLang="zh-TW" sz="3000" b="1" dirty="0">
                 <a:latin typeface="Arial" panose="020B0604020202020204" pitchFamily="34" charset="0"/>
@@ -6124,8 +6192,8 @@
         </p:nvSpPr>
         <p:spPr>
           <a:xfrm>
-            <a:off x="269522" y="980728"/>
-            <a:ext cx="8622958" cy="5598136"/>
+            <a:off x="431398" y="980728"/>
+            <a:ext cx="8461082" cy="1114216"/>
           </a:xfrm>
           <a:prstGeom prst="rect">
             <a:avLst/>
@@ -6153,65 +6221,10 @@
               <a:rPr lang="en-US" altLang="zh-TW" b="1" dirty="0">
                 <a:ea typeface="+mj-ea"/>
               </a:rPr>
-              <a:t>Note: </a:t>
-            </a:r>
-            <a:r>
-              <a:rPr lang="en-US" altLang="zh-TW" sz="1400" b="1" dirty="0">
-                <a:solidFill>
-                  <a:srgbClr val="C00000"/>
-                </a:solidFill>
-                <a:ea typeface="+mj-ea"/>
-              </a:rPr>
-              <a:t>.\ = </a:t>
-            </a:r>
-            <a:r>
-              <a:rPr lang="fr-FR" altLang="zh-TW" sz="1400" i="1" dirty="0">
-                <a:solidFill>
-                  <a:srgbClr val="C00000"/>
-                </a:solidFill>
-              </a:rPr>
-              <a:t>MARS-PLUS_WINS_binary\MARS-PLUS\</a:t>
-            </a:r>
-            <a:endParaRPr lang="en-US" altLang="zh-TW" sz="1400" b="1" i="1" dirty="0">
-              <a:ea typeface="+mj-ea"/>
-            </a:endParaRPr>
-          </a:p>
-          <a:p>
-            <a:pPr marL="257175" indent="-257175">
-              <a:lnSpc>
-                <a:spcPct val="150000"/>
-              </a:lnSpc>
-              <a:buClr>
-                <a:schemeClr val="accent3">
-                  <a:lumMod val="75000"/>
-                </a:schemeClr>
-              </a:buClr>
-              <a:buFont typeface="Arial" panose="020B0604020202020204" pitchFamily="34" charset="0"/>
-              <a:buChar char="•"/>
-            </a:pPr>
-            <a:r>
-              <a:rPr lang="en-US" altLang="zh-TW" b="1" dirty="0">
-                <a:ea typeface="+mj-ea"/>
-              </a:rPr>
-              <a:t>Check the control file:</a:t>
-            </a:r>
-            <a:r>
-              <a:rPr lang="zh-TW" altLang="en-US" b="1" dirty="0">
-                <a:ea typeface="+mj-ea"/>
-              </a:rPr>
-              <a:t>  </a:t>
-            </a:r>
-            <a:r>
-              <a:rPr lang="fr-FR" altLang="zh-TW" sz="1400" i="1" dirty="0">
-                <a:solidFill>
-                  <a:srgbClr val="C00000"/>
-                </a:solidFill>
-                <a:ea typeface="+mj-ea"/>
-              </a:rPr>
-              <a:t>MARS-PLUS_WINS_binary\MARS-PLUS\INPUTS\control.in</a:t>
+              <a:t>Open the Windows command prompt (CMD)</a:t>
             </a:r>
             <a:br>
-              <a:rPr lang="fr-FR" altLang="zh-TW" sz="1400" dirty="0">
+              <a:rPr lang="en-US" altLang="zh-TW" sz="1400" dirty="0">
                 <a:solidFill>
                   <a:srgbClr val="C00000"/>
                 </a:solidFill>
@@ -6219,319 +6232,121 @@
               </a:rPr>
             </a:br>
             <a:r>
-              <a:rPr lang="en-US" altLang="zh-TW" sz="1200" dirty="0">
+              <a:rPr lang="en-US" altLang="zh-TW" sz="1400" dirty="0">
+                <a:ea typeface="+mj-ea"/>
+              </a:rPr>
+              <a:t>1. Enter the </a:t>
+            </a:r>
+            <a:r>
+              <a:rPr lang="fr-FR" altLang="zh-TW" sz="1400" i="1" dirty="0">
+                <a:solidFill>
+                  <a:srgbClr val="C00000"/>
+                </a:solidFill>
+              </a:rPr>
+              <a:t>MARS-PLUS-Wins\MARS-PLUS\</a:t>
+            </a:r>
+            <a:r>
+              <a:rPr lang="fr-FR" altLang="zh-TW" sz="1400" i="1" dirty="0"/>
+              <a:t> </a:t>
+            </a:r>
+            <a:r>
+              <a:rPr lang="en-US" altLang="zh-TW" sz="1400" dirty="0">
+                <a:ea typeface="+mj-ea"/>
+              </a:rPr>
+              <a:t>directory</a:t>
+            </a:r>
+            <a:br>
+              <a:rPr lang="en-US" altLang="zh-TW" sz="1400" i="1" dirty="0">
+                <a:ea typeface="+mj-ea"/>
+              </a:rPr>
+            </a:br>
+            <a:r>
+              <a:rPr lang="en-US" altLang="zh-TW" sz="1400" dirty="0">
+                <a:ea typeface="+mj-ea"/>
+              </a:rPr>
+              <a:t>2. </a:t>
+            </a:r>
+            <a:r>
+              <a:rPr lang="fr-FR" altLang="zh-TW" sz="1400" dirty="0">
+                <a:ea typeface="+mj-ea"/>
+              </a:rPr>
+              <a:t>Execute  </a:t>
+            </a:r>
+            <a:r>
+              <a:rPr lang="en-US" altLang="zh-TW" sz="1400" dirty="0">
+                <a:ea typeface="+mj-ea"/>
+              </a:rPr>
+              <a:t>“</a:t>
+            </a:r>
+            <a:r>
+              <a:rPr lang="zh-TW" altLang="en-US" sz="1400" dirty="0">
+                <a:ea typeface="+mj-ea"/>
+              </a:rPr>
+              <a:t> </a:t>
+            </a:r>
+            <a:r>
+              <a:rPr lang="en-US" altLang="zh-TW" sz="1400" i="1" dirty="0">
                 <a:solidFill>
                   <a:srgbClr val="C00000"/>
                 </a:solidFill>
                 <a:ea typeface="+mj-ea"/>
               </a:rPr>
-              <a:t>PROGRAM_DIR: </a:t>
-            </a:r>
-            <a:r>
-              <a:rPr lang="en-US" altLang="zh-TW" sz="1200" dirty="0">
+              <a:t>MARS-PLUS.exe INPUTS\control.in</a:t>
+            </a:r>
+            <a:r>
+              <a:rPr lang="zh-TW" altLang="en-US" sz="1400" i="1" dirty="0">
                 <a:ea typeface="+mj-ea"/>
               </a:rPr>
-              <a:t>Directory of MARS-PLUS source code                                      (No need to revise)</a:t>
-            </a:r>
-            <a:br>
-              <a:rPr lang="en-US" altLang="zh-TW" sz="1200" dirty="0">
+              <a:t> </a:t>
+            </a:r>
+            <a:r>
+              <a:rPr lang="en-US" altLang="zh-TW" sz="1400" i="1" dirty="0">
                 <a:ea typeface="+mj-ea"/>
               </a:rPr>
-            </a:br>
-            <a:r>
-              <a:rPr lang="en-US" altLang="zh-TW" sz="1200" dirty="0">
-                <a:solidFill>
-                  <a:srgbClr val="C00000"/>
-                </a:solidFill>
-              </a:rPr>
-              <a:t>MDS_DIR: </a:t>
-            </a:r>
-            <a:r>
-              <a:rPr lang="en-US" altLang="zh-TW" sz="1200" dirty="0"/>
-              <a:t>Directory for outputting “molecular data structures” (i.e. .enc files)       (No need to revise)</a:t>
-            </a:r>
-            <a:br>
-              <a:rPr lang="en-US" altLang="zh-TW" sz="1200" dirty="0"/>
-            </a:br>
-            <a:r>
-              <a:rPr lang="en-US" altLang="zh-TW" sz="1200" dirty="0">
-                <a:solidFill>
-                  <a:srgbClr val="C00000"/>
-                </a:solidFill>
-              </a:rPr>
-              <a:t>LOG_DIR: </a:t>
-            </a:r>
-            <a:r>
-              <a:rPr lang="en-US" altLang="zh-TW" sz="1200" dirty="0"/>
-              <a:t>Directory for outputting the tabulated results of operations                    (No need to revise)</a:t>
-            </a:r>
-            <a:br>
-              <a:rPr lang="en-US" altLang="zh-TW" sz="1200" dirty="0"/>
-            </a:br>
-            <a:r>
-              <a:rPr lang="en-US" altLang="zh-TW" sz="1200" dirty="0">
-                <a:solidFill>
-                  <a:srgbClr val="C00000"/>
-                </a:solidFill>
-              </a:rPr>
-              <a:t>ELEMENT_LIST:  </a:t>
-            </a:r>
-            <a:r>
-              <a:rPr lang="en-US" altLang="zh-TW" sz="1200" dirty="0"/>
-              <a:t>The specifications of each “building genes”                                 (No need to revise)</a:t>
-            </a:r>
-            <a:br>
-              <a:rPr lang="en-US" altLang="zh-TW" sz="1200" dirty="0"/>
-            </a:br>
-            <a:r>
-              <a:rPr lang="en-US" altLang="zh-TW" sz="1200" dirty="0">
-                <a:solidFill>
-                  <a:srgbClr val="C00000"/>
-                </a:solidFill>
-              </a:rPr>
-              <a:t>IF_ION: </a:t>
-            </a:r>
-            <a:r>
-              <a:rPr lang="en-US" altLang="zh-TW" sz="1200" dirty="0"/>
-              <a:t> 1 for demonstrating ILs/salts case, 0 for demonstrating neutral molecule case</a:t>
-            </a:r>
-            <a:br>
-              <a:rPr lang="en-US" altLang="zh-TW" sz="1200" dirty="0"/>
-            </a:br>
-            <a:r>
-              <a:rPr lang="en-US" altLang="zh-TW" sz="1200" dirty="0">
-                <a:solidFill>
-                  <a:srgbClr val="C00000"/>
-                </a:solidFill>
-              </a:rPr>
-              <a:t>IF_ENUMERATION: </a:t>
-            </a:r>
-            <a:r>
-              <a:rPr lang="en-US" altLang="zh-TW" sz="1200" dirty="0"/>
-              <a:t> 1 for activating SMILES enumeration for each newly designed species. 0 for disabling it.</a:t>
-            </a:r>
-            <a:br>
-              <a:rPr lang="en-US" altLang="zh-TW" sz="1200" dirty="0"/>
-            </a:br>
-            <a:r>
-              <a:rPr lang="en-US" altLang="zh-TW" sz="1200" dirty="0">
-                <a:solidFill>
-                  <a:srgbClr val="C00000"/>
-                </a:solidFill>
-              </a:rPr>
-              <a:t>IF_OUTPUT_MDS: </a:t>
-            </a:r>
-            <a:r>
-              <a:rPr lang="en-US" altLang="zh-TW" sz="1200" dirty="0"/>
-              <a:t> 1 for outputting “molecular data structures” (i.e. .enc files) to </a:t>
-            </a:r>
-            <a:r>
-              <a:rPr lang="en-US" altLang="zh-TW" sz="1200" dirty="0">
-                <a:solidFill>
-                  <a:srgbClr val="C00000"/>
-                </a:solidFill>
-              </a:rPr>
-              <a:t>MDS_DIR</a:t>
-            </a:r>
-            <a:r>
-              <a:rPr lang="en-US" altLang="zh-TW" sz="1200" dirty="0"/>
-              <a:t>. 0 for disabling it.</a:t>
-            </a:r>
-            <a:br>
-              <a:rPr lang="en-US" altLang="zh-TW" sz="1200" dirty="0"/>
-            </a:br>
-            <a:r>
-              <a:rPr lang="en-US" altLang="zh-TW" sz="1200" dirty="0">
-                <a:solidFill>
-                  <a:srgbClr val="C00000"/>
-                </a:solidFill>
-              </a:rPr>
-              <a:t>IF_PROTECT: </a:t>
-            </a:r>
-            <a:r>
-              <a:rPr lang="en-US" altLang="zh-TW" sz="1200" dirty="0"/>
-              <a:t> 1 for activating molecular fragment protection (e.g. charged atoms). 0 for disabling it.</a:t>
-            </a:r>
-            <a:br>
-              <a:rPr lang="en-US" altLang="zh-TW" sz="1200" dirty="0"/>
-            </a:br>
-            <a:r>
-              <a:rPr lang="en-US" altLang="zh-TW" sz="1200" dirty="0"/>
-              <a:t>                         Protection prevents fragments from operations. See </a:t>
-            </a:r>
-            <a:r>
-              <a:rPr lang="en-US" altLang="zh-TW" sz="1200" i="1" dirty="0" err="1"/>
-              <a:t>prct</a:t>
-            </a:r>
-            <a:r>
-              <a:rPr lang="en-US" altLang="zh-TW" sz="1200" i="1" dirty="0"/>
-              <a:t>()</a:t>
-            </a:r>
-            <a:r>
-              <a:rPr lang="en-US" altLang="zh-TW" sz="1200" dirty="0"/>
-              <a:t> function in </a:t>
-            </a:r>
-            <a:r>
-              <a:rPr lang="en-US" altLang="zh-TW" sz="1200" i="1" dirty="0"/>
-              <a:t>MOLECULE.cpp</a:t>
-            </a:r>
-            <a:r>
-              <a:rPr lang="en-US" altLang="zh-TW" sz="1200" dirty="0"/>
-              <a:t>.</a:t>
-            </a:r>
-            <a:br>
-              <a:rPr lang="en-US" altLang="zh-TW" sz="1200" dirty="0">
-                <a:ea typeface="+mj-ea"/>
-              </a:rPr>
-            </a:br>
-            <a:r>
-              <a:rPr lang="en-US" altLang="zh-TW" sz="1200" dirty="0">
-                <a:solidFill>
-                  <a:srgbClr val="C00000"/>
-                </a:solidFill>
-                <a:ea typeface="+mj-ea"/>
-              </a:rPr>
-              <a:t>OPERATIONS:</a:t>
-            </a:r>
-            <a:r>
-              <a:rPr lang="en-US" altLang="zh-TW" sz="1200" dirty="0">
-                <a:ea typeface="+mj-ea"/>
-              </a:rPr>
-              <a:t> The operations you want to apply, typically </a:t>
-            </a:r>
-            <a:r>
-              <a:rPr lang="en-US" altLang="zh-TW" sz="1200" i="1" dirty="0">
-                <a:ea typeface="+mj-ea"/>
-              </a:rPr>
-              <a:t>ALL</a:t>
-            </a:r>
-            <a:r>
-              <a:rPr lang="en-US" altLang="zh-TW" sz="1200" dirty="0">
-                <a:ea typeface="+mj-ea"/>
-              </a:rPr>
-              <a:t>.</a:t>
-            </a:r>
-            <a:br>
-              <a:rPr lang="en-US" altLang="zh-TW" sz="1200" dirty="0">
-                <a:ea typeface="+mj-ea"/>
-              </a:rPr>
-            </a:br>
-            <a:r>
-              <a:rPr lang="en-US" altLang="zh-TW" sz="1200" dirty="0">
-                <a:solidFill>
-                  <a:srgbClr val="C00000"/>
-                </a:solidFill>
-                <a:ea typeface="+mj-ea"/>
-              </a:rPr>
-              <a:t>EPOCH</a:t>
-            </a:r>
-            <a:r>
-              <a:rPr lang="en-US" altLang="zh-TW" sz="1200" dirty="0">
-                <a:solidFill>
-                  <a:srgbClr val="C00000"/>
-                </a:solidFill>
-              </a:rPr>
-              <a:t>:</a:t>
-            </a:r>
-            <a:r>
-              <a:rPr lang="en-US" altLang="zh-TW" sz="1200" dirty="0"/>
-              <a:t> Epochs for iterative design. Specifying 1 if you do not need iteration.</a:t>
-            </a:r>
-            <a:br>
-              <a:rPr lang="en-US" altLang="zh-TW" sz="1200" dirty="0"/>
-            </a:br>
-            <a:r>
-              <a:rPr lang="en-US" altLang="zh-TW" sz="1200" dirty="0">
-                <a:solidFill>
-                  <a:srgbClr val="C00000"/>
-                </a:solidFill>
-              </a:rPr>
-              <a:t>CHEMICAL_IUPUTLIST:</a:t>
-            </a:r>
-            <a:r>
-              <a:rPr lang="en-US" altLang="zh-TW" sz="1200" dirty="0"/>
-              <a:t> </a:t>
-            </a:r>
-            <a:br>
-              <a:rPr lang="en-US" altLang="zh-TW" sz="1200" dirty="0"/>
-            </a:br>
-            <a:r>
-              <a:rPr lang="en-US" altLang="zh-TW" sz="1200" dirty="0"/>
-              <a:t>        For ILs/salts case (</a:t>
-            </a:r>
-            <a:r>
-              <a:rPr lang="en-US" altLang="zh-TW" sz="1200" dirty="0">
-                <a:solidFill>
-                  <a:srgbClr val="C00000"/>
-                </a:solidFill>
-              </a:rPr>
-              <a:t>IF_ION=1</a:t>
-            </a:r>
-            <a:r>
-              <a:rPr lang="en-US" altLang="zh-TW" sz="1200" dirty="0"/>
-              <a:t>), specify the route to a list that contains at least 1 IL/salts.  </a:t>
-            </a:r>
-            <a:br>
-              <a:rPr lang="en-US" altLang="zh-TW" sz="1200" dirty="0"/>
-            </a:br>
-            <a:r>
-              <a:rPr lang="en-US" altLang="zh-TW" sz="1200" dirty="0"/>
-              <a:t>	For example: </a:t>
-            </a:r>
-            <a:r>
-              <a:rPr lang="en-US" altLang="zh-TW" sz="1200" i="1" dirty="0"/>
-              <a:t>MARS-PLUS_WINS_binary\MARS-PLUS\INPUTS\INPUT_CHEMICALS\IL4.in</a:t>
-            </a:r>
-            <a:br>
-              <a:rPr lang="en-US" altLang="zh-TW" sz="1200" dirty="0"/>
-            </a:br>
-            <a:r>
-              <a:rPr lang="en-US" altLang="zh-TW" sz="1200" dirty="0"/>
-              <a:t>        For neutral molecule case (</a:t>
-            </a:r>
-            <a:r>
-              <a:rPr lang="en-US" altLang="zh-TW" sz="1200" dirty="0">
-                <a:solidFill>
-                  <a:srgbClr val="C00000"/>
-                </a:solidFill>
-              </a:rPr>
-              <a:t>IF_ION=0</a:t>
-            </a:r>
-            <a:r>
-              <a:rPr lang="en-US" altLang="zh-TW" sz="1200" dirty="0"/>
-              <a:t>), specify the route to a list that contains at least 1 neutral molecule.  </a:t>
-            </a:r>
-            <a:br>
-              <a:rPr lang="en-US" altLang="zh-TW" sz="1200" dirty="0"/>
-            </a:br>
-            <a:r>
-              <a:rPr lang="en-US" altLang="zh-TW" sz="1200" dirty="0"/>
-              <a:t>	For example: </a:t>
-            </a:r>
-            <a:r>
-              <a:rPr lang="en-US" altLang="zh-TW" sz="1200" i="1" dirty="0"/>
-              <a:t>MARS-PLUS_WINS_binary\MARS-PLUS\INPUTS\INPUT_CHEMICALS\IL.in</a:t>
-            </a:r>
-            <a:br>
-              <a:rPr lang="en-US" altLang="zh-TW" sz="1200" i="1" dirty="0"/>
-            </a:br>
-            <a:r>
-              <a:rPr lang="en-US" altLang="zh-TW" sz="1200" dirty="0"/>
-              <a:t>         You can use “#”  to  write comment .</a:t>
-            </a:r>
-            <a:endParaRPr lang="en-US" altLang="zh-TW" sz="1200" dirty="0">
+              <a:t>”</a:t>
+            </a:r>
+            <a:endParaRPr lang="en-US" altLang="zh-TW" sz="1400" dirty="0">
               <a:ea typeface="+mj-ea"/>
             </a:endParaRPr>
           </a:p>
         </p:txBody>
       </p:sp>
+      <p:pic>
+        <p:nvPicPr>
+          <p:cNvPr id="2" name="圖片 1">
+            <a:extLst>
+              <a:ext uri="{FF2B5EF4-FFF2-40B4-BE49-F238E27FC236}">
+                <a16:creationId xmlns:a16="http://schemas.microsoft.com/office/drawing/2014/main" id="{D195E613-E3A3-40FA-8A3D-4364AF1489F3}"/>
+              </a:ext>
+            </a:extLst>
+          </p:cNvPr>
+          <p:cNvPicPr>
+            <a:picLocks noChangeAspect="1"/>
+          </p:cNvPicPr>
+          <p:nvPr/>
+        </p:nvPicPr>
+        <p:blipFill rotWithShape="1">
+          <a:blip r:embed="rId4"/>
+          <a:srcRect t="244"/>
+          <a:stretch/>
+        </p:blipFill>
+        <p:spPr>
+          <a:xfrm>
+            <a:off x="395536" y="2060848"/>
+            <a:ext cx="8436935" cy="4756419"/>
+          </a:xfrm>
+          <a:prstGeom prst="rect">
+            <a:avLst/>
+          </a:prstGeom>
+        </p:spPr>
+      </p:pic>
     </p:spTree>
     <p:custDataLst>
       <p:tags r:id="rId1"/>
     </p:custDataLst>
     <p:extLst>
       <p:ext uri="{BB962C8B-B14F-4D97-AF65-F5344CB8AC3E}">
-        <p14:creationId xmlns:p14="http://schemas.microsoft.com/office/powerpoint/2010/main" val="3286093914"/>
+        <p14:creationId xmlns:p14="http://schemas.microsoft.com/office/powerpoint/2010/main" val="3414180580"/>
       </p:ext>
     </p:extLst>
   </p:cSld>
@@ -6620,7 +6435,7 @@
                 <a:latin typeface="Arial" panose="020B0604020202020204" pitchFamily="34" charset="0"/>
                 <a:cs typeface="Arial" panose="020B0604020202020204" pitchFamily="34" charset="0"/>
               </a:rPr>
-              <a:t>Usage </a:t>
+              <a:t>Results </a:t>
             </a:r>
             <a:endParaRPr lang="zh-TW" altLang="en-US" sz="3000" b="1" dirty="0">
               <a:latin typeface="Arial" panose="020B0604020202020204" pitchFamily="34" charset="0"/>
@@ -6638,7 +6453,7 @@
         <p:spPr>
           <a:xfrm>
             <a:off x="431398" y="980728"/>
-            <a:ext cx="8461082" cy="878767"/>
+            <a:ext cx="8461082" cy="872034"/>
           </a:xfrm>
           <a:prstGeom prst="rect">
             <a:avLst/>
@@ -6652,7 +6467,7 @@
           <a:p>
             <a:pPr marL="257175" indent="-257175">
               <a:lnSpc>
-                <a:spcPct val="114000"/>
+                <a:spcPct val="150000"/>
               </a:lnSpc>
               <a:buClr>
                 <a:schemeClr val="accent3">
@@ -6663,268 +6478,19 @@
               <a:buChar char="•"/>
             </a:pPr>
             <a:r>
-              <a:rPr lang="en-US" altLang="zh-TW" b="1" dirty="0">
+              <a:rPr lang="en-US" altLang="zh-TW" dirty="0">
                 <a:ea typeface="+mj-ea"/>
               </a:rPr>
-              <a:t>Open the CMD</a:t>
-            </a:r>
-            <a:br>
+              <a:t>All The results are outputted to </a:t>
+            </a:r>
+            <a:r>
               <a:rPr lang="en-US" altLang="zh-TW" sz="1400" dirty="0">
                 <a:solidFill>
                   <a:srgbClr val="C00000"/>
                 </a:solidFill>
                 <a:ea typeface="+mj-ea"/>
               </a:rPr>
-            </a:br>
-            <a:r>
-              <a:rPr lang="en-US" altLang="zh-TW" sz="1400" dirty="0">
-                <a:ea typeface="+mj-ea"/>
-              </a:rPr>
-              <a:t>1. Enter the directory </a:t>
-            </a:r>
-            <a:r>
-              <a:rPr lang="fr-FR" altLang="zh-TW" sz="1400" i="1" dirty="0"/>
-              <a:t>MARS-PLUS_WINS_binary\MARS-PLUS\</a:t>
-            </a:r>
-            <a:br>
-              <a:rPr lang="en-US" altLang="zh-TW" sz="1400" i="1" dirty="0">
-                <a:ea typeface="+mj-ea"/>
-              </a:rPr>
-            </a:br>
-            <a:r>
-              <a:rPr lang="en-US" altLang="zh-TW" sz="1400" dirty="0">
-                <a:ea typeface="+mj-ea"/>
-              </a:rPr>
-              <a:t>2. </a:t>
-            </a:r>
-            <a:r>
-              <a:rPr lang="fr-FR" altLang="zh-TW" sz="1400" dirty="0">
-                <a:ea typeface="+mj-ea"/>
-              </a:rPr>
-              <a:t>Execute </a:t>
-            </a:r>
-            <a:r>
-              <a:rPr lang="en-US" altLang="zh-TW" sz="1400" dirty="0">
-                <a:ea typeface="+mj-ea"/>
-              </a:rPr>
-              <a:t>“</a:t>
-            </a:r>
-            <a:r>
-              <a:rPr lang="en-US" altLang="zh-TW" sz="1400" i="1" dirty="0">
-                <a:ea typeface="+mj-ea"/>
-              </a:rPr>
-              <a:t>MARS-PLUS.exe INPUTS\control.in</a:t>
-            </a:r>
-            <a:r>
-              <a:rPr lang="en-US" altLang="zh-TW" sz="1400" dirty="0">
-                <a:ea typeface="+mj-ea"/>
-              </a:rPr>
-              <a:t>”</a:t>
-            </a:r>
-          </a:p>
-        </p:txBody>
-      </p:sp>
-      <p:pic>
-        <p:nvPicPr>
-          <p:cNvPr id="3" name="圖片 2">
-            <a:extLst>
-              <a:ext uri="{FF2B5EF4-FFF2-40B4-BE49-F238E27FC236}">
-                <a16:creationId xmlns:a16="http://schemas.microsoft.com/office/drawing/2014/main" id="{DDBAFB9C-75ED-4CF7-AACD-F2C74735C890}"/>
-              </a:ext>
-            </a:extLst>
-          </p:cNvPr>
-          <p:cNvPicPr>
-            <a:picLocks noChangeAspect="1"/>
-          </p:cNvPicPr>
-          <p:nvPr/>
-        </p:nvPicPr>
-        <p:blipFill>
-          <a:blip r:embed="rId4"/>
-          <a:stretch>
-            <a:fillRect/>
-          </a:stretch>
-        </p:blipFill>
-        <p:spPr>
-          <a:xfrm>
-            <a:off x="6588224" y="1259336"/>
-            <a:ext cx="1486107" cy="600159"/>
-          </a:xfrm>
-          <a:prstGeom prst="rect">
-            <a:avLst/>
-          </a:prstGeom>
-        </p:spPr>
-      </p:pic>
-      <p:pic>
-        <p:nvPicPr>
-          <p:cNvPr id="2" name="圖片 1">
-            <a:extLst>
-              <a:ext uri="{FF2B5EF4-FFF2-40B4-BE49-F238E27FC236}">
-                <a16:creationId xmlns:a16="http://schemas.microsoft.com/office/drawing/2014/main" id="{D195E613-E3A3-40FA-8A3D-4364AF1489F3}"/>
-              </a:ext>
-            </a:extLst>
-          </p:cNvPr>
-          <p:cNvPicPr>
-            <a:picLocks noChangeAspect="1"/>
-          </p:cNvPicPr>
-          <p:nvPr/>
-        </p:nvPicPr>
-        <p:blipFill rotWithShape="1">
-          <a:blip r:embed="rId5"/>
-          <a:srcRect t="244"/>
-          <a:stretch/>
-        </p:blipFill>
-        <p:spPr>
-          <a:xfrm>
-            <a:off x="395536" y="1984949"/>
-            <a:ext cx="8436935" cy="4756419"/>
-          </a:xfrm>
-          <a:prstGeom prst="rect">
-            <a:avLst/>
-          </a:prstGeom>
-        </p:spPr>
-      </p:pic>
-    </p:spTree>
-    <p:custDataLst>
-      <p:tags r:id="rId1"/>
-    </p:custDataLst>
-    <p:extLst>
-      <p:ext uri="{BB962C8B-B14F-4D97-AF65-F5344CB8AC3E}">
-        <p14:creationId xmlns:p14="http://schemas.microsoft.com/office/powerpoint/2010/main" val="3414180580"/>
-      </p:ext>
-    </p:extLst>
-  </p:cSld>
-  <p:clrMapOvr>
-    <a:masterClrMapping/>
-  </p:clrMapOvr>
-  <mc:AlternateContent xmlns:mc="http://schemas.openxmlformats.org/markup-compatibility/2006" xmlns:p14="http://schemas.microsoft.com/office/powerpoint/2010/main">
-    <mc:Choice Requires="p14">
-      <p:transition spd="slow" p14:dur="2000" advTm="88763">
-        <p:cut/>
-      </p:transition>
-    </mc:Choice>
-    <mc:Fallback xmlns="">
-      <p:transition spd="slow" advTm="88763">
-        <p:cut/>
-      </p:transition>
-    </mc:Fallback>
-  </mc:AlternateContent>
-</p:sld>
-</file>
-
-<file path=ppt/slides/slide5.xml><?xml version="1.0" encoding="utf-8"?>
-<p:sld xmlns:a="http://schemas.openxmlformats.org/drawingml/2006/main" xmlns:r="http://schemas.openxmlformats.org/officeDocument/2006/relationships" xmlns:p="http://schemas.openxmlformats.org/presentationml/2006/main">
-  <p:cSld>
-    <p:spTree>
-      <p:nvGrpSpPr>
-        <p:cNvPr id="1" name=""/>
-        <p:cNvGrpSpPr/>
-        <p:nvPr/>
-      </p:nvGrpSpPr>
-      <p:grpSpPr>
-        <a:xfrm>
-          <a:off x="0" y="0"/>
-          <a:ext cx="0" cy="0"/>
-          <a:chOff x="0" y="0"/>
-          <a:chExt cx="0" cy="0"/>
-        </a:xfrm>
-      </p:grpSpPr>
-      <p:sp>
-        <p:nvSpPr>
-          <p:cNvPr id="4" name="投影片編號版面配置區 3"/>
-          <p:cNvSpPr>
-            <a:spLocks noGrp="1"/>
-          </p:cNvSpPr>
-          <p:nvPr>
-            <p:ph type="sldNum" sz="quarter" idx="12"/>
-          </p:nvPr>
-        </p:nvSpPr>
-        <p:spPr/>
-        <p:txBody>
-          <a:bodyPr/>
-          <a:lstStyle/>
-          <a:p>
-            <a:fld id="{4032CECC-19EF-475E-B6BE-89015B9E55A4}" type="slidenum">
-              <a:rPr lang="zh-TW" altLang="en-US" sz="1800" smtClean="0"/>
-              <a:t>5</a:t>
-            </a:fld>
-            <a:endParaRPr lang="zh-TW" altLang="en-US" sz="1800"/>
-          </a:p>
-        </p:txBody>
-      </p:sp>
-      <p:sp>
-        <p:nvSpPr>
-          <p:cNvPr id="15" name="文字方塊 14"/>
-          <p:cNvSpPr txBox="1"/>
-          <p:nvPr/>
-        </p:nvSpPr>
-        <p:spPr>
-          <a:xfrm>
-            <a:off x="269522" y="476672"/>
-            <a:ext cx="8046894" cy="553998"/>
-          </a:xfrm>
-          <a:prstGeom prst="rect">
-            <a:avLst/>
-          </a:prstGeom>
-          <a:noFill/>
-        </p:spPr>
-        <p:txBody>
-          <a:bodyPr wrap="square" rtlCol="0">
-            <a:spAutoFit/>
-          </a:bodyPr>
-          <a:lstStyle/>
-          <a:p>
-            <a:r>
-              <a:rPr lang="en-US" altLang="zh-TW" sz="3000" b="1" dirty="0">
-                <a:latin typeface="Arial" panose="020B0604020202020204" pitchFamily="34" charset="0"/>
-                <a:cs typeface="Arial" panose="020B0604020202020204" pitchFamily="34" charset="0"/>
-              </a:rPr>
-              <a:t>Results </a:t>
-            </a:r>
-            <a:endParaRPr lang="zh-TW" altLang="en-US" sz="3000" b="1" dirty="0">
-              <a:latin typeface="Arial" panose="020B0604020202020204" pitchFamily="34" charset="0"/>
-              <a:cs typeface="Arial" panose="020B0604020202020204" pitchFamily="34" charset="0"/>
-            </a:endParaRPr>
-          </a:p>
-        </p:txBody>
-      </p:sp>
-      <p:sp>
-        <p:nvSpPr>
-          <p:cNvPr id="31" name="矩形 30"/>
-          <p:cNvSpPr/>
-          <p:nvPr/>
-        </p:nvSpPr>
-        <p:spPr>
-          <a:xfrm>
-            <a:off x="431398" y="980728"/>
-            <a:ext cx="8461082" cy="562975"/>
-          </a:xfrm>
-          <a:prstGeom prst="rect">
-            <a:avLst/>
-          </a:prstGeom>
-        </p:spPr>
-        <p:txBody>
-          <a:bodyPr wrap="square">
-            <a:spAutoFit/>
-          </a:bodyPr>
-          <a:lstStyle/>
-          <a:p>
-            <a:pPr marL="257175" indent="-257175">
-              <a:lnSpc>
-                <a:spcPct val="114000"/>
-              </a:lnSpc>
-              <a:buClr>
-                <a:schemeClr val="accent3">
-                  <a:lumMod val="75000"/>
-                </a:schemeClr>
-              </a:buClr>
-              <a:buFont typeface="Arial" panose="020B0604020202020204" pitchFamily="34" charset="0"/>
-              <a:buChar char="•"/>
-            </a:pPr>
-            <a:r>
-              <a:rPr lang="en-US" altLang="zh-TW" sz="1400" dirty="0">
-                <a:ea typeface="+mj-ea"/>
-              </a:rPr>
-              <a:t>All The results are outputted to LOG_DIR </a:t>
+              <a:t>LOG_DIR </a:t>
             </a:r>
             <a:br>
               <a:rPr lang="en-US" altLang="zh-TW" sz="1400" dirty="0">
@@ -6932,21 +6498,29 @@
               </a:rPr>
             </a:br>
             <a:r>
-              <a:rPr lang="en-US" altLang="zh-TW" sz="1400" dirty="0">
+              <a:rPr lang="en-US" altLang="zh-TW" dirty="0">
                 <a:ea typeface="+mj-ea"/>
               </a:rPr>
               <a:t>(default: </a:t>
             </a:r>
             <a:r>
-              <a:rPr lang="fr-FR" altLang="zh-TW" sz="1400" i="1" dirty="0"/>
-              <a:t>MARS-PLUS_WINS_binary\MARS-PLUS\</a:t>
-            </a:r>
-            <a:r>
-              <a:rPr lang="en-US" altLang="zh-TW" sz="1400" i="1" dirty="0"/>
+              <a:rPr lang="fr-FR" altLang="zh-TW" sz="1400" i="1" dirty="0">
+                <a:solidFill>
+                  <a:srgbClr val="C00000"/>
+                </a:solidFill>
+              </a:rPr>
+              <a:t>MARS-PLUS-Wins\MARS-PLUS\</a:t>
+            </a:r>
+            <a:r>
+              <a:rPr lang="en-US" altLang="zh-TW" sz="1400" i="1" dirty="0">
+                <a:solidFill>
+                  <a:srgbClr val="C00000"/>
+                </a:solidFill>
+              </a:rPr>
               <a:t>LOG_FILES\</a:t>
             </a:r>
             <a:r>
-              <a:rPr lang="en-US" altLang="zh-TW" sz="1400" dirty="0">
+              <a:rPr lang="en-US" altLang="zh-TW" dirty="0">
                 <a:ea typeface="+mj-ea"/>
               </a:rPr>
               <a:t>)</a:t>
@@ -6968,7 +6542,7 @@
         </p:nvGrpSpPr>
         <p:grpSpPr>
           <a:xfrm>
-            <a:off x="158622" y="2060848"/>
+            <a:off x="158622" y="2012013"/>
             <a:ext cx="8805866" cy="4729355"/>
             <a:chOff x="14606" y="2060848"/>
             <a:chExt cx="8805866" cy="4729355"/>
@@ -7184,7 +6758,7 @@
 </p:sld>
 </file>
 
-<file path=ppt/slides/slide6.xml><?xml version="1.0" encoding="utf-8"?>
+<file path=ppt/slides/slide5.xml><?xml version="1.0" encoding="utf-8"?>
 <p:sld xmlns:a="http://schemas.openxmlformats.org/drawingml/2006/main" xmlns:r="http://schemas.openxmlformats.org/officeDocument/2006/relationships" xmlns:p="http://schemas.openxmlformats.org/presentationml/2006/main">
   <p:cSld>
     <p:spTree>
@@ -7218,7 +6792,7 @@
           <a:p>
             <a:fld id="{4032CECC-19EF-475E-B6BE-89015B9E55A4}" type="slidenum">
               <a:rPr lang="zh-TW" altLang="en-US" sz="1800" smtClean="0"/>
-              <a:t>6</a:t>
+              <a:t>5</a:t>
             </a:fld>
             <a:endParaRPr lang="zh-TW" altLang="en-US" sz="1800"/>
           </a:p>
@@ -7269,7 +6843,7 @@
         <p:spPr>
           <a:xfrm>
             <a:off x="431398" y="980728"/>
-            <a:ext cx="8461082" cy="911019"/>
+            <a:ext cx="8461082" cy="785343"/>
           </a:xfrm>
           <a:prstGeom prst="rect">
             <a:avLst/>
@@ -7283,7 +6857,7 @@
           <a:p>
             <a:pPr marL="257175" indent="-257175">
               <a:lnSpc>
-                <a:spcPct val="114000"/>
+                <a:spcPct val="150000"/>
               </a:lnSpc>
               <a:buClr>
                 <a:schemeClr val="accent3">
@@ -7297,7 +6871,7 @@
               <a:rPr lang="en-US" altLang="zh-TW" sz="1600" dirty="0">
                 <a:ea typeface="+mj-ea"/>
               </a:rPr>
-              <a:t>Virtual synthesis pathways are defined in </a:t>
+              <a:t>Examples for virtual synthesis pathways are defined in </a:t>
             </a:r>
             <a:r>
               <a:rPr lang="en-US" altLang="zh-TW" sz="1600" i="1" dirty="0">
@@ -7315,24 +6889,7 @@
               <a:rPr lang="en-US" altLang="zh-TW" sz="1600" i="1" dirty="0">
                 <a:ea typeface="+mj-ea"/>
               </a:rPr>
-              <a:t>main.cpp.</a:t>
-            </a:r>
-            <a:br>
-              <a:rPr lang="en-US" altLang="zh-TW" sz="1600" dirty="0">
-                <a:ea typeface="+mj-ea"/>
-              </a:rPr>
-            </a:br>
-            <a:r>
-              <a:rPr lang="en-US" altLang="zh-TW" sz="1600" dirty="0">
-                <a:ea typeface="+mj-ea"/>
-              </a:rPr>
-              <a:t>One can append more examples. The source codes should be re-compiled after any modification.</a:t>
-            </a:r>
-            <a:r>
-              <a:rPr lang="en-US" altLang="zh-TW" sz="1600" i="1" dirty="0">
-                <a:ea typeface="+mj-ea"/>
-              </a:rPr>
-              <a:t> </a:t>
+              <a:t>main.cpp. </a:t>
             </a:r>
           </a:p>
         </p:txBody>
@@ -7351,7 +6908,7 @@
         </p:nvGrpSpPr>
         <p:grpSpPr>
           <a:xfrm>
-            <a:off x="35496" y="1988840"/>
+            <a:off x="35496" y="2060848"/>
             <a:ext cx="9108504" cy="4470961"/>
             <a:chOff x="35496" y="2312143"/>
             <a:chExt cx="9108504" cy="4470961"/>
@@ -7568,7 +7125,7 @@
 </p:sld>
 </file>
 
-<file path=ppt/slides/slide7.xml><?xml version="1.0" encoding="utf-8"?>
+<file path=ppt/slides/slide6.xml><?xml version="1.0" encoding="utf-8"?>
 <p:sld xmlns:a="http://schemas.openxmlformats.org/drawingml/2006/main" xmlns:r="http://schemas.openxmlformats.org/officeDocument/2006/relationships" xmlns:p="http://schemas.openxmlformats.org/presentationml/2006/main">
   <p:cSld>
     <p:spTree>
@@ -7602,7 +7159,7 @@
           <a:p>
             <a:fld id="{4032CECC-19EF-475E-B6BE-89015B9E55A4}" type="slidenum">
               <a:rPr lang="zh-TW" altLang="en-US" sz="1800" smtClean="0"/>
-              <a:t>7</a:t>
+              <a:t>6</a:t>
             </a:fld>
             <a:endParaRPr lang="zh-TW" altLang="en-US" sz="1800"/>
           </a:p>
@@ -7635,7 +7192,7 @@
                 <a:latin typeface="Arial" panose="020B0604020202020204" pitchFamily="34" charset="0"/>
                 <a:cs typeface="Arial" panose="020B0604020202020204" pitchFamily="34" charset="0"/>
               </a:rPr>
-              <a:t>Developer / Re-compilation </a:t>
+              <a:t>Re-compilation </a:t>
             </a:r>
             <a:endParaRPr lang="zh-TW" altLang="en-US" sz="3000" b="1" dirty="0">
               <a:latin typeface="Arial" panose="020B0604020202020204" pitchFamily="34" charset="0"/>
@@ -7723,15 +7280,27 @@
               <a:t> </a:t>
             </a:r>
             <a:r>
-              <a:rPr lang="fr-FR" altLang="zh-TW" sz="1400" i="1" dirty="0"/>
-              <a:t>MARS-PLUS_WINS_binary\MARS-PLUS\</a:t>
-            </a:r>
-            <a:r>
-              <a:rPr lang="en-US" altLang="zh-TW" sz="1400" i="1" dirty="0"/>
+              <a:rPr lang="fr-FR" altLang="zh-TW" sz="1400" i="1" dirty="0">
+                <a:solidFill>
+                  <a:srgbClr val="C00000"/>
+                </a:solidFill>
+              </a:rPr>
+              <a:t>MARS-PLUS-Wins\MARS-PLUS\</a:t>
+            </a:r>
+            <a:r>
+              <a:rPr lang="en-US" altLang="zh-TW" sz="1400" i="1" dirty="0">
+                <a:solidFill>
+                  <a:srgbClr val="C00000"/>
+                </a:solidFill>
+              </a:rPr>
               <a:t>MARS-</a:t>
             </a:r>
             <a:r>
-              <a:rPr lang="en-US" altLang="zh-TW" sz="1400" i="1" dirty="0" err="1"/>
+              <a:rPr lang="en-US" altLang="zh-TW" sz="1400" i="1" dirty="0" err="1">
+                <a:solidFill>
+                  <a:srgbClr val="C00000"/>
+                </a:solidFill>
+              </a:rPr>
               <a:t>PLUS.dev</a:t>
             </a:r>
             <a:r>
@@ -7778,10 +7347,10 @@
         </p:nvGrpSpPr>
         <p:grpSpPr>
           <a:xfrm>
-            <a:off x="4428154" y="2144997"/>
-            <a:ext cx="4248473" cy="1872208"/>
-            <a:chOff x="3563887" y="2420888"/>
-            <a:chExt cx="4248473" cy="1872208"/>
+            <a:off x="4183376" y="2210847"/>
+            <a:ext cx="4498310" cy="1894130"/>
+            <a:chOff x="3314050" y="2461520"/>
+            <a:chExt cx="4498310" cy="1894130"/>
           </a:xfrm>
         </p:grpSpPr>
         <p:pic>
@@ -7798,15 +7367,22 @@
             </p:cNvPicPr>
             <p:nvPr/>
           </p:nvPicPr>
-          <p:blipFill rotWithShape="1">
-            <a:blip r:embed="rId5"/>
-            <a:srcRect b="41935"/>
-            <a:stretch/>
+          <p:blipFill>
+            <a:blip r:embed="rId5">
+              <a:extLst>
+                <a:ext uri="{28A0092B-C50C-407E-A947-70E740481C1C}">
+                  <a14:useLocalDpi xmlns:a14="http://schemas.microsoft.com/office/drawing/2010/main" val="0"/>
+                </a:ext>
+              </a:extLst>
+            </a:blip>
+            <a:stretch>
+              <a:fillRect/>
+            </a:stretch>
           </p:blipFill>
           <p:spPr>
             <a:xfrm>
-              <a:off x="3563888" y="2420888"/>
-              <a:ext cx="4248472" cy="1872208"/>
+              <a:off x="3319109" y="2461520"/>
+              <a:ext cx="4493251" cy="1894130"/>
             </a:xfrm>
             <a:prstGeom prst="rect">
               <a:avLst/>
@@ -7827,8 +7403,8 @@
           </p:nvSpPr>
           <p:spPr>
             <a:xfrm>
-              <a:off x="4355976" y="2564904"/>
-              <a:ext cx="576064" cy="288032"/>
+              <a:off x="4283797" y="2624771"/>
+              <a:ext cx="576064" cy="243871"/>
             </a:xfrm>
             <a:prstGeom prst="rect">
               <a:avLst/>
@@ -7879,7 +7455,7 @@
           </p:nvSpPr>
           <p:spPr>
             <a:xfrm>
-              <a:off x="3563888" y="3429000"/>
+              <a:off x="3314050" y="3560875"/>
               <a:ext cx="681715" cy="216024"/>
             </a:xfrm>
             <a:prstGeom prst="rect">
@@ -7931,8 +7507,8 @@
           </p:nvSpPr>
           <p:spPr>
             <a:xfrm>
-              <a:off x="3563887" y="3648580"/>
-              <a:ext cx="4248472" cy="216024"/>
+              <a:off x="3347692" y="3749052"/>
+              <a:ext cx="4464667" cy="243871"/>
             </a:xfrm>
             <a:prstGeom prst="rect">
               <a:avLst/>
@@ -7984,10 +7560,10 @@
         </p:nvGrpSpPr>
         <p:grpSpPr>
           <a:xfrm>
-            <a:off x="751062" y="3102980"/>
-            <a:ext cx="2419688" cy="2400635"/>
-            <a:chOff x="269522" y="2394720"/>
-            <a:chExt cx="2419688" cy="2400635"/>
+            <a:off x="751062" y="3157912"/>
+            <a:ext cx="2419688" cy="2290770"/>
+            <a:chOff x="269522" y="2449652"/>
+            <a:chExt cx="2419688" cy="2290770"/>
           </a:xfrm>
         </p:grpSpPr>
         <p:pic>
@@ -8005,15 +7581,21 @@
             <p:nvPr/>
           </p:nvPicPr>
           <p:blipFill>
-            <a:blip r:embed="rId6"/>
+            <a:blip r:embed="rId6">
+              <a:extLst>
+                <a:ext uri="{28A0092B-C50C-407E-A947-70E740481C1C}">
+                  <a14:useLocalDpi xmlns:a14="http://schemas.microsoft.com/office/drawing/2010/main" val="0"/>
+                </a:ext>
+              </a:extLst>
+            </a:blip>
             <a:stretch>
               <a:fillRect/>
             </a:stretch>
           </p:blipFill>
           <p:spPr>
             <a:xfrm>
-              <a:off x="269522" y="2394720"/>
-              <a:ext cx="2419688" cy="2400635"/>
+              <a:off x="269522" y="2449652"/>
+              <a:ext cx="2419688" cy="2290770"/>
             </a:xfrm>
             <a:prstGeom prst="rect">
               <a:avLst/>
@@ -8034,8 +7616,8 @@
           </p:nvSpPr>
           <p:spPr>
             <a:xfrm>
-              <a:off x="539552" y="2636912"/>
-              <a:ext cx="576064" cy="288032"/>
+              <a:off x="490060" y="2720740"/>
+              <a:ext cx="792088" cy="227703"/>
             </a:xfrm>
             <a:prstGeom prst="rect">
               <a:avLst/>
@@ -8086,8 +7668,8 @@
           </p:nvSpPr>
           <p:spPr>
             <a:xfrm>
-              <a:off x="903302" y="3648371"/>
-              <a:ext cx="1652474" cy="288032"/>
+              <a:off x="685110" y="3758161"/>
+              <a:ext cx="2004100" cy="288032"/>
             </a:xfrm>
             <a:prstGeom prst="rect">
               <a:avLst/>
@@ -8138,7 +7720,7 @@
           </p:nvSpPr>
           <p:spPr>
             <a:xfrm>
-              <a:off x="1088397" y="2545159"/>
+              <a:off x="1282148" y="2635266"/>
               <a:ext cx="1039067" cy="307777"/>
             </a:xfrm>
             <a:prstGeom prst="rect">
@@ -8183,10 +7765,10 @@
         </p:nvGrpSpPr>
         <p:grpSpPr>
           <a:xfrm>
-            <a:off x="4437841" y="4356631"/>
-            <a:ext cx="4256590" cy="2400634"/>
-            <a:chOff x="2749648" y="4293096"/>
-            <a:chExt cx="4256590" cy="2400634"/>
+            <a:off x="4211959" y="4363520"/>
+            <a:ext cx="4491371" cy="2466579"/>
+            <a:chOff x="2514765" y="4197974"/>
+            <a:chExt cx="4491371" cy="2466579"/>
           </a:xfrm>
         </p:grpSpPr>
         <p:pic>
@@ -8203,15 +7785,22 @@
             </p:cNvPicPr>
             <p:nvPr/>
           </p:nvPicPr>
-          <p:blipFill rotWithShape="1">
-            <a:blip r:embed="rId7"/>
-            <a:srcRect l="1235" t="2520" b="-1"/>
-            <a:stretch/>
+          <p:blipFill>
+            <a:blip r:embed="rId7">
+              <a:extLst>
+                <a:ext uri="{28A0092B-C50C-407E-A947-70E740481C1C}">
+                  <a14:useLocalDpi xmlns:a14="http://schemas.microsoft.com/office/drawing/2010/main" val="0"/>
+                </a:ext>
+              </a:extLst>
+            </a:blip>
+            <a:stretch>
+              <a:fillRect/>
+            </a:stretch>
           </p:blipFill>
           <p:spPr>
             <a:xfrm>
-              <a:off x="2749648" y="4293096"/>
-              <a:ext cx="4256488" cy="2400634"/>
+              <a:off x="2523766" y="4197974"/>
+              <a:ext cx="4482370" cy="2466579"/>
             </a:xfrm>
             <a:prstGeom prst="rect">
               <a:avLst/>
@@ -8232,8 +7821,8 @@
           </p:nvSpPr>
           <p:spPr>
             <a:xfrm>
-              <a:off x="3545745" y="4402886"/>
-              <a:ext cx="576064" cy="288032"/>
+              <a:off x="3440094" y="4378449"/>
+              <a:ext cx="576064" cy="216024"/>
             </a:xfrm>
             <a:prstGeom prst="rect">
               <a:avLst/>
@@ -8284,8 +7873,8 @@
           </p:nvSpPr>
           <p:spPr>
             <a:xfrm>
-              <a:off x="3325712" y="5301208"/>
-              <a:ext cx="681715" cy="216024"/>
+              <a:off x="3119013" y="5289878"/>
+              <a:ext cx="988930" cy="216024"/>
             </a:xfrm>
             <a:prstGeom prst="rect">
               <a:avLst/>
@@ -8336,8 +7925,8 @@
           </p:nvSpPr>
           <p:spPr>
             <a:xfrm>
-              <a:off x="2757766" y="6417332"/>
-              <a:ext cx="4248472" cy="216024"/>
+              <a:off x="2514765" y="6448529"/>
+              <a:ext cx="4473667" cy="216024"/>
             </a:xfrm>
             <a:prstGeom prst="rect">
               <a:avLst/>
@@ -8449,7 +8038,7 @@
 </p:sld>
 </file>
 
-<file path=ppt/slides/slide8.xml><?xml version="1.0" encoding="utf-8"?>
+<file path=ppt/slides/slide7.xml><?xml version="1.0" encoding="utf-8"?>
 <p:sld xmlns:a="http://schemas.openxmlformats.org/drawingml/2006/main" xmlns:r="http://schemas.openxmlformats.org/officeDocument/2006/relationships" xmlns:p="http://schemas.openxmlformats.org/presentationml/2006/main">
   <p:cSld>
     <p:spTree>
@@ -8483,7 +8072,7 @@
           <a:p>
             <a:fld id="{4032CECC-19EF-475E-B6BE-89015B9E55A4}" type="slidenum">
               <a:rPr lang="zh-TW" altLang="en-US" sz="1800" smtClean="0"/>
-              <a:t>8</a:t>
+              <a:t>7</a:t>
             </a:fld>
             <a:endParaRPr lang="zh-TW" altLang="en-US" sz="1800"/>
           </a:p>
@@ -8516,7 +8105,7 @@
                 <a:latin typeface="Arial" panose="020B0604020202020204" pitchFamily="34" charset="0"/>
                 <a:cs typeface="Arial" panose="020B0604020202020204" pitchFamily="34" charset="0"/>
               </a:rPr>
-              <a:t>Developer / Re-compilation </a:t>
+              <a:t>Re-compilation </a:t>
             </a:r>
             <a:endParaRPr lang="zh-TW" altLang="en-US" sz="3000" b="1" dirty="0">
               <a:latin typeface="Arial" panose="020B0604020202020204" pitchFamily="34" charset="0"/>
@@ -8570,182 +8159,6 @@
           </a:p>
         </p:txBody>
       </p:sp>
-      <p:grpSp>
-        <p:nvGrpSpPr>
-          <p:cNvPr id="2" name="群組 1">
-            <a:extLst>
-              <a:ext uri="{FF2B5EF4-FFF2-40B4-BE49-F238E27FC236}">
-                <a16:creationId xmlns:a16="http://schemas.microsoft.com/office/drawing/2014/main" id="{12873F06-3951-494C-AE2E-045744641B95}"/>
-              </a:ext>
-            </a:extLst>
-          </p:cNvPr>
-          <p:cNvGrpSpPr/>
-          <p:nvPr/>
-        </p:nvGrpSpPr>
-        <p:grpSpPr>
-          <a:xfrm>
-            <a:off x="202356" y="1437263"/>
-            <a:ext cx="4190614" cy="3181692"/>
-            <a:chOff x="202356" y="1437263"/>
-            <a:chExt cx="4190614" cy="3181692"/>
-          </a:xfrm>
-        </p:grpSpPr>
-        <p:grpSp>
-          <p:nvGrpSpPr>
-            <p:cNvPr id="17" name="群組 16">
-              <a:extLst>
-                <a:ext uri="{FF2B5EF4-FFF2-40B4-BE49-F238E27FC236}">
-                  <a16:creationId xmlns:a16="http://schemas.microsoft.com/office/drawing/2014/main" id="{4D7B7AAA-6027-48F0-B89D-E8DD6EB010B3}"/>
-                </a:ext>
-              </a:extLst>
-            </p:cNvPr>
-            <p:cNvGrpSpPr/>
-            <p:nvPr/>
-          </p:nvGrpSpPr>
-          <p:grpSpPr>
-            <a:xfrm>
-              <a:off x="216506" y="1437263"/>
-              <a:ext cx="4176464" cy="3181692"/>
-              <a:chOff x="216506" y="1437263"/>
-              <a:chExt cx="4176464" cy="3181692"/>
-            </a:xfrm>
-          </p:grpSpPr>
-          <p:pic>
-            <p:nvPicPr>
-              <p:cNvPr id="12" name="圖片 11">
-                <a:extLst>
-                  <a:ext uri="{FF2B5EF4-FFF2-40B4-BE49-F238E27FC236}">
-                    <a16:creationId xmlns:a16="http://schemas.microsoft.com/office/drawing/2014/main" id="{5886C4C4-64EB-413E-8D78-AE774C783213}"/>
-                  </a:ext>
-                </a:extLst>
-              </p:cNvPr>
-              <p:cNvPicPr>
-                <a:picLocks noChangeAspect="1"/>
-              </p:cNvPicPr>
-              <p:nvPr/>
-            </p:nvPicPr>
-            <p:blipFill>
-              <a:blip r:embed="rId4"/>
-              <a:stretch>
-                <a:fillRect/>
-              </a:stretch>
-            </p:blipFill>
-            <p:spPr>
-              <a:xfrm>
-                <a:off x="216506" y="1437263"/>
-                <a:ext cx="4176464" cy="3181692"/>
-              </a:xfrm>
-              <a:prstGeom prst="rect">
-                <a:avLst/>
-              </a:prstGeom>
-            </p:spPr>
-          </p:pic>
-          <p:sp>
-            <p:nvSpPr>
-              <p:cNvPr id="16" name="矩形 15">
-                <a:extLst>
-                  <a:ext uri="{FF2B5EF4-FFF2-40B4-BE49-F238E27FC236}">
-                    <a16:creationId xmlns:a16="http://schemas.microsoft.com/office/drawing/2014/main" id="{55FB74CB-736D-4463-9052-EF5AE0852E57}"/>
-                  </a:ext>
-                </a:extLst>
-              </p:cNvPr>
-              <p:cNvSpPr/>
-              <p:nvPr/>
-            </p:nvSpPr>
-            <p:spPr>
-              <a:xfrm>
-                <a:off x="1907704" y="1628800"/>
-                <a:ext cx="432048" cy="200490"/>
-              </a:xfrm>
-              <a:prstGeom prst="rect">
-                <a:avLst/>
-              </a:prstGeom>
-              <a:noFill/>
-              <a:ln w="38100">
-                <a:solidFill>
-                  <a:srgbClr val="C00000"/>
-                </a:solidFill>
-              </a:ln>
-            </p:spPr>
-            <p:style>
-              <a:lnRef idx="2">
-                <a:schemeClr val="accent1">
-                  <a:shade val="50000"/>
-                </a:schemeClr>
-              </a:lnRef>
-              <a:fillRef idx="1">
-                <a:schemeClr val="accent1"/>
-              </a:fillRef>
-              <a:effectRef idx="0">
-                <a:schemeClr val="accent1"/>
-              </a:effectRef>
-              <a:fontRef idx="minor">
-                <a:schemeClr val="lt1"/>
-              </a:fontRef>
-            </p:style>
-            <p:txBody>
-              <a:bodyPr rtlCol="0" anchor="ctr"/>
-              <a:lstStyle/>
-              <a:p>
-                <a:pPr algn="ctr"/>
-                <a:endParaRPr lang="zh-TW" altLang="en-US"/>
-              </a:p>
-            </p:txBody>
-          </p:sp>
-        </p:grpSp>
-        <p:sp>
-          <p:nvSpPr>
-            <p:cNvPr id="18" name="矩形 17">
-              <a:extLst>
-                <a:ext uri="{FF2B5EF4-FFF2-40B4-BE49-F238E27FC236}">
-                  <a16:creationId xmlns:a16="http://schemas.microsoft.com/office/drawing/2014/main" id="{D2740BFA-FF93-48EE-A695-F1D90EC9E476}"/>
-                </a:ext>
-              </a:extLst>
-            </p:cNvPr>
-            <p:cNvSpPr/>
-            <p:nvPr/>
-          </p:nvSpPr>
-          <p:spPr>
-            <a:xfrm>
-              <a:off x="202356" y="1843855"/>
-              <a:ext cx="625227" cy="206103"/>
-            </a:xfrm>
-            <a:prstGeom prst="rect">
-              <a:avLst/>
-            </a:prstGeom>
-            <a:noFill/>
-            <a:ln w="38100">
-              <a:solidFill>
-                <a:srgbClr val="C00000"/>
-              </a:solidFill>
-            </a:ln>
-          </p:spPr>
-          <p:style>
-            <a:lnRef idx="2">
-              <a:schemeClr val="accent1">
-                <a:shade val="50000"/>
-              </a:schemeClr>
-            </a:lnRef>
-            <a:fillRef idx="1">
-              <a:schemeClr val="accent1"/>
-            </a:fillRef>
-            <a:effectRef idx="0">
-              <a:schemeClr val="accent1"/>
-            </a:effectRef>
-            <a:fontRef idx="minor">
-              <a:schemeClr val="lt1"/>
-            </a:fontRef>
-          </p:style>
-          <p:txBody>
-            <a:bodyPr rtlCol="0" anchor="ctr"/>
-            <a:lstStyle/>
-            <a:p>
-              <a:pPr algn="ctr"/>
-              <a:endParaRPr lang="zh-TW" altLang="en-US"/>
-            </a:p>
-          </p:txBody>
-        </p:sp>
-      </p:grpSp>
       <p:grpSp>
         <p:nvGrpSpPr>
           <p:cNvPr id="3" name="群組 2">
@@ -8760,10 +8173,10 @@
         </p:nvGrpSpPr>
         <p:grpSpPr>
           <a:xfrm>
-            <a:off x="2483768" y="2371493"/>
-            <a:ext cx="4518591" cy="3440290"/>
-            <a:chOff x="2483768" y="2371493"/>
-            <a:chExt cx="4518591" cy="3440290"/>
+            <a:off x="524650" y="1546679"/>
+            <a:ext cx="4518591" cy="3421095"/>
+            <a:chOff x="2483768" y="2381090"/>
+            <a:chExt cx="4518591" cy="3421095"/>
           </a:xfrm>
         </p:grpSpPr>
         <p:grpSp>
@@ -8780,10 +8193,10 @@
           </p:nvGrpSpPr>
           <p:grpSpPr>
             <a:xfrm>
-              <a:off x="2483768" y="2371493"/>
-              <a:ext cx="4518591" cy="3440290"/>
-              <a:chOff x="2483768" y="2371493"/>
-              <a:chExt cx="4518591" cy="3440290"/>
+              <a:off x="2483768" y="2381090"/>
+              <a:ext cx="4518591" cy="3421095"/>
+              <a:chOff x="2483768" y="2381090"/>
+              <a:chExt cx="4518591" cy="3421095"/>
             </a:xfrm>
           </p:grpSpPr>
           <p:pic>
@@ -8801,15 +8214,21 @@
               <p:nvPr/>
             </p:nvPicPr>
             <p:blipFill>
-              <a:blip r:embed="rId5"/>
+              <a:blip r:embed="rId4">
+                <a:extLst>
+                  <a:ext uri="{28A0092B-C50C-407E-A947-70E740481C1C}">
+                    <a14:useLocalDpi xmlns:a14="http://schemas.microsoft.com/office/drawing/2010/main" val="0"/>
+                  </a:ext>
+                </a:extLst>
+              </a:blip>
               <a:stretch>
                 <a:fillRect/>
               </a:stretch>
             </p:blipFill>
             <p:spPr>
               <a:xfrm>
-                <a:off x="2483768" y="2371493"/>
-                <a:ext cx="4518591" cy="3440290"/>
+                <a:off x="2483768" y="2381090"/>
+                <a:ext cx="4518591" cy="3421095"/>
               </a:xfrm>
               <a:prstGeom prst="rect">
                 <a:avLst/>
@@ -8882,8 +8301,8 @@
             </p:nvSpPr>
             <p:spPr>
               <a:xfrm>
-                <a:off x="4355976" y="2564904"/>
-                <a:ext cx="432048" cy="200490"/>
+                <a:off x="4651604" y="2564904"/>
+                <a:ext cx="640475" cy="239896"/>
               </a:xfrm>
               <a:prstGeom prst="rect">
                 <a:avLst/>
@@ -8935,8 +8354,8 @@
           </p:nvSpPr>
           <p:spPr>
             <a:xfrm>
-              <a:off x="3203848" y="2827619"/>
-              <a:ext cx="864096" cy="200490"/>
+              <a:off x="3527386" y="2827619"/>
+              <a:ext cx="1044613" cy="212486"/>
             </a:xfrm>
             <a:prstGeom prst="rect">
               <a:avLst/>
@@ -8988,10 +8407,10 @@
         </p:nvGrpSpPr>
         <p:grpSpPr>
           <a:xfrm>
-            <a:off x="4633918" y="3429000"/>
-            <a:ext cx="4518592" cy="3474524"/>
-            <a:chOff x="4633918" y="3429000"/>
-            <a:chExt cx="4518592" cy="3474524"/>
+            <a:off x="4037144" y="3140968"/>
+            <a:ext cx="4518592" cy="3419010"/>
+            <a:chOff x="4633918" y="3456757"/>
+            <a:chExt cx="4518592" cy="3419010"/>
           </a:xfrm>
         </p:grpSpPr>
         <p:grpSp>
@@ -9008,10 +8427,10 @@
           </p:nvGrpSpPr>
           <p:grpSpPr>
             <a:xfrm>
-              <a:off x="4633918" y="3429000"/>
-              <a:ext cx="4518592" cy="3474524"/>
-              <a:chOff x="4633918" y="3429000"/>
-              <a:chExt cx="4518592" cy="3474524"/>
+              <a:off x="4633918" y="3456757"/>
+              <a:ext cx="4518592" cy="3419010"/>
+              <a:chOff x="4633918" y="3456757"/>
+              <a:chExt cx="4518592" cy="3419010"/>
             </a:xfrm>
           </p:grpSpPr>
           <p:pic>
@@ -9029,15 +8448,21 @@
               <p:nvPr/>
             </p:nvPicPr>
             <p:blipFill>
-              <a:blip r:embed="rId6"/>
+              <a:blip r:embed="rId5">
+                <a:extLst>
+                  <a:ext uri="{28A0092B-C50C-407E-A947-70E740481C1C}">
+                    <a14:useLocalDpi xmlns:a14="http://schemas.microsoft.com/office/drawing/2010/main" val="0"/>
+                  </a:ext>
+                </a:extLst>
+              </a:blip>
               <a:stretch>
                 <a:fillRect/>
               </a:stretch>
             </p:blipFill>
             <p:spPr>
               <a:xfrm>
-                <a:off x="4633918" y="3429000"/>
-                <a:ext cx="4518592" cy="3474524"/>
+                <a:off x="4633918" y="3456757"/>
+                <a:ext cx="4518592" cy="3419010"/>
               </a:xfrm>
               <a:prstGeom prst="rect">
                 <a:avLst/>
@@ -9110,8 +8535,8 @@
             </p:nvSpPr>
             <p:spPr>
               <a:xfrm>
-                <a:off x="6514700" y="3645024"/>
-                <a:ext cx="432048" cy="200490"/>
+                <a:off x="6805270" y="3645024"/>
+                <a:ext cx="647049" cy="200490"/>
               </a:xfrm>
               <a:prstGeom prst="rect">
                 <a:avLst/>
@@ -9163,8 +8588,8 @@
           </p:nvSpPr>
           <p:spPr>
             <a:xfrm>
-              <a:off x="6184051" y="3887636"/>
-              <a:ext cx="864096" cy="200490"/>
+              <a:off x="6704238" y="3887636"/>
+              <a:ext cx="1152128" cy="200490"/>
             </a:xfrm>
             <a:prstGeom prst="rect">
               <a:avLst/>
@@ -9230,7 +8655,7 @@
 </p:sld>
 </file>
 
-<file path=ppt/slides/slide9.xml><?xml version="1.0" encoding="utf-8"?>
+<file path=ppt/slides/slide8.xml><?xml version="1.0" encoding="utf-8"?>
 <p:sld xmlns:a="http://schemas.openxmlformats.org/drawingml/2006/main" xmlns:r="http://schemas.openxmlformats.org/officeDocument/2006/relationships" xmlns:p="http://schemas.openxmlformats.org/presentationml/2006/main">
   <p:cSld>
     <p:spTree>
@@ -9264,7 +8689,7 @@
           <a:p>
             <a:fld id="{4032CECC-19EF-475E-B6BE-89015B9E55A4}" type="slidenum">
               <a:rPr lang="zh-TW" altLang="en-US" sz="1800" smtClean="0"/>
-              <a:t>9</a:t>
+              <a:t>8</a:t>
             </a:fld>
             <a:endParaRPr lang="zh-TW" altLang="en-US" sz="1800"/>
           </a:p>
@@ -9297,7 +8722,7 @@
                 <a:latin typeface="Arial" panose="020B0604020202020204" pitchFamily="34" charset="0"/>
                 <a:cs typeface="Arial" panose="020B0604020202020204" pitchFamily="34" charset="0"/>
               </a:rPr>
-              <a:t>Developer / Re-compilation </a:t>
+              <a:t>Re-compilation </a:t>
             </a:r>
             <a:endParaRPr lang="zh-TW" altLang="en-US" sz="3000" b="1" dirty="0">
               <a:latin typeface="Arial" panose="020B0604020202020204" pitchFamily="34" charset="0"/>
@@ -9365,10 +8790,10 @@
         </p:nvGrpSpPr>
         <p:grpSpPr>
           <a:xfrm>
-            <a:off x="693249" y="1842481"/>
-            <a:ext cx="3878751" cy="1872208"/>
-            <a:chOff x="464615" y="1700808"/>
-            <a:chExt cx="3878751" cy="1872208"/>
+            <a:off x="431399" y="1890538"/>
+            <a:ext cx="4140602" cy="1670456"/>
+            <a:chOff x="202765" y="1748865"/>
+            <a:chExt cx="4140602" cy="1670456"/>
           </a:xfrm>
         </p:grpSpPr>
         <p:pic>
@@ -9385,15 +8810,22 @@
             </p:cNvPicPr>
             <p:nvPr/>
           </p:nvPicPr>
-          <p:blipFill rotWithShape="1">
-            <a:blip r:embed="rId4"/>
-            <a:srcRect r="10022"/>
-            <a:stretch/>
+          <p:blipFill>
+            <a:blip r:embed="rId4">
+              <a:extLst>
+                <a:ext uri="{28A0092B-C50C-407E-A947-70E740481C1C}">
+                  <a14:useLocalDpi xmlns:a14="http://schemas.microsoft.com/office/drawing/2010/main" val="0"/>
+                </a:ext>
+              </a:extLst>
+            </a:blip>
+            <a:stretch>
+              <a:fillRect/>
+            </a:stretch>
           </p:blipFill>
           <p:spPr>
             <a:xfrm>
-              <a:off x="464615" y="1700808"/>
-              <a:ext cx="3878751" cy="1872208"/>
+              <a:off x="202765" y="1748865"/>
+              <a:ext cx="4140602" cy="1670456"/>
             </a:xfrm>
             <a:prstGeom prst="rect">
               <a:avLst/>
@@ -9414,8 +8846,8 @@
           </p:nvSpPr>
           <p:spPr>
             <a:xfrm>
-              <a:off x="2915816" y="1844824"/>
-              <a:ext cx="504056" cy="205135"/>
+              <a:off x="2636601" y="1944571"/>
+              <a:ext cx="432047" cy="205135"/>
             </a:xfrm>
             <a:prstGeom prst="rect">
               <a:avLst/>
@@ -9466,8 +8898,8 @@
           </p:nvSpPr>
           <p:spPr>
             <a:xfrm>
-              <a:off x="2992016" y="2049959"/>
-              <a:ext cx="1219944" cy="205135"/>
+              <a:off x="2636602" y="2145918"/>
+              <a:ext cx="1634756" cy="205135"/>
             </a:xfrm>
             <a:prstGeom prst="rect">
               <a:avLst/>
@@ -9519,10 +8951,10 @@
         </p:nvGrpSpPr>
         <p:grpSpPr>
           <a:xfrm>
-            <a:off x="5563073" y="817536"/>
-            <a:ext cx="3491283" cy="3907608"/>
-            <a:chOff x="5563073" y="980728"/>
-            <a:chExt cx="3491283" cy="3907608"/>
+            <a:off x="5391447" y="499831"/>
+            <a:ext cx="3635568" cy="4027309"/>
+            <a:chOff x="5418788" y="849659"/>
+            <a:chExt cx="3635568" cy="4027309"/>
           </a:xfrm>
         </p:grpSpPr>
         <p:pic>
@@ -9540,15 +8972,21 @@
             <p:nvPr/>
           </p:nvPicPr>
           <p:blipFill>
-            <a:blip r:embed="rId5"/>
+            <a:blip r:embed="rId5">
+              <a:extLst>
+                <a:ext uri="{28A0092B-C50C-407E-A947-70E740481C1C}">
+                  <a14:useLocalDpi xmlns:a14="http://schemas.microsoft.com/office/drawing/2010/main" val="0"/>
+                </a:ext>
+              </a:extLst>
+            </a:blip>
             <a:stretch>
               <a:fillRect/>
             </a:stretch>
           </p:blipFill>
           <p:spPr>
             <a:xfrm>
-              <a:off x="5563073" y="980728"/>
-              <a:ext cx="3491283" cy="3907608"/>
+              <a:off x="5435067" y="849659"/>
+              <a:ext cx="3619289" cy="4027309"/>
             </a:xfrm>
             <a:prstGeom prst="rect">
               <a:avLst/>
@@ -9569,8 +9007,8 @@
           </p:nvSpPr>
           <p:spPr>
             <a:xfrm>
-              <a:off x="5580112" y="1654255"/>
-              <a:ext cx="288032" cy="190569"/>
+              <a:off x="5418788" y="1575968"/>
+              <a:ext cx="521364" cy="216024"/>
             </a:xfrm>
             <a:prstGeom prst="rect">
               <a:avLst/>
@@ -9621,7 +9059,7 @@
           </p:nvSpPr>
           <p:spPr>
             <a:xfrm>
-              <a:off x="5706820" y="2060848"/>
+              <a:off x="5580112" y="2008016"/>
               <a:ext cx="521364" cy="216024"/>
             </a:xfrm>
             <a:prstGeom prst="rect">
@@ -9673,7 +9111,7 @@
           </p:nvSpPr>
           <p:spPr>
             <a:xfrm>
-              <a:off x="5706821" y="3356992"/>
+              <a:off x="5601964" y="3376168"/>
               <a:ext cx="1058268" cy="216024"/>
             </a:xfrm>
             <a:prstGeom prst="rect">
@@ -9726,7 +9164,7 @@
         </p:nvSpPr>
         <p:spPr>
           <a:xfrm>
-            <a:off x="4860032" y="2778585"/>
+            <a:off x="4716016" y="2778585"/>
             <a:ext cx="575035" cy="554228"/>
           </a:xfrm>
           <a:prstGeom prst="rightArrow">
@@ -9772,8 +9210,8 @@
         </p:nvSpPr>
         <p:spPr>
           <a:xfrm>
-            <a:off x="341459" y="4534368"/>
-            <a:ext cx="8461082" cy="456535"/>
+            <a:off x="269522" y="4411222"/>
+            <a:ext cx="8712897" cy="872034"/>
           </a:xfrm>
           <a:prstGeom prst="rect">
             <a:avLst/>
@@ -9801,43 +9239,25 @@
               <a:rPr lang="en-US" altLang="zh-TW" dirty="0">
                 <a:ea typeface="+mj-ea"/>
               </a:rPr>
-              <a:t>At </a:t>
-            </a:r>
-            <a:r>
-              <a:rPr lang="en-US" altLang="zh-TW" i="1" dirty="0">
-                <a:ea typeface="+mj-ea"/>
+              <a:t>Click “Compile” (or press F9). If successful, an executable </a:t>
+            </a:r>
+            <a:r>
+              <a:rPr lang="fr-FR" altLang="zh-TW" sz="1400" i="1" dirty="0">
+                <a:solidFill>
+                  <a:srgbClr val="C00000"/>
+                </a:solidFill>
               </a:rPr>
-              <a:t>main.cpp</a:t>
+              <a:t>MARS-PLUS-Wins\MARS-PLUS\MARS-PLUS.exe</a:t>
+            </a:r>
+            <a:r>
+              <a:rPr lang="fr-FR" altLang="zh-TW" dirty="0"/>
+              <a:t> will be generated</a:t>
             </a:r>
             <a:r>
               <a:rPr lang="en-US" altLang="zh-TW" dirty="0">
                 <a:ea typeface="+mj-ea"/>
               </a:rPr>
-              <a:t> page, click “</a:t>
-            </a:r>
-            <a:r>
-              <a:rPr lang="zh-TW" altLang="en-US" dirty="0">
-                <a:ea typeface="+mj-ea"/>
-              </a:rPr>
-              <a:t>全部重新建置</a:t>
-            </a:r>
-            <a:r>
-              <a:rPr lang="en-US" altLang="zh-TW" dirty="0">
-                <a:ea typeface="+mj-ea"/>
-              </a:rPr>
-              <a:t>”</a:t>
-            </a:r>
-            <a:r>
-              <a:rPr lang="zh-TW" altLang="en-US" dirty="0">
-                <a:ea typeface="+mj-ea"/>
-              </a:rPr>
-              <a:t> </a:t>
-            </a:r>
-            <a:r>
-              <a:rPr lang="en-US" altLang="zh-TW" dirty="0">
-                <a:ea typeface="+mj-ea"/>
-              </a:rPr>
-              <a:t>(or press F12). </a:t>
+              <a:t>.</a:t>
             </a:r>
           </a:p>
         </p:txBody>
@@ -9856,10 +9276,10 @@
         </p:nvGrpSpPr>
         <p:grpSpPr>
           <a:xfrm>
-            <a:off x="2174565" y="5096974"/>
-            <a:ext cx="4701691" cy="1644394"/>
-            <a:chOff x="181065" y="5078268"/>
-            <a:chExt cx="4701691" cy="1644394"/>
+            <a:off x="4499992" y="5024966"/>
+            <a:ext cx="4640668" cy="1644394"/>
+            <a:chOff x="211576" y="5078268"/>
+            <a:chExt cx="4640668" cy="1644394"/>
           </a:xfrm>
         </p:grpSpPr>
         <p:pic>
@@ -9877,15 +9297,21 @@
             <p:nvPr/>
           </p:nvPicPr>
           <p:blipFill>
-            <a:blip r:embed="rId6"/>
+            <a:blip r:embed="rId6">
+              <a:extLst>
+                <a:ext uri="{28A0092B-C50C-407E-A947-70E740481C1C}">
+                  <a14:useLocalDpi xmlns:a14="http://schemas.microsoft.com/office/drawing/2010/main" val="0"/>
+                </a:ext>
+              </a:extLst>
+            </a:blip>
             <a:stretch>
               <a:fillRect/>
             </a:stretch>
           </p:blipFill>
           <p:spPr>
             <a:xfrm>
-              <a:off x="181065" y="5078268"/>
-              <a:ext cx="4701691" cy="1644394"/>
+              <a:off x="211576" y="5078268"/>
+              <a:ext cx="4640668" cy="1644394"/>
             </a:xfrm>
             <a:prstGeom prst="rect">
               <a:avLst/>
@@ -9906,7 +9332,7 @@
           </p:nvSpPr>
           <p:spPr>
             <a:xfrm>
-              <a:off x="2243878" y="5877272"/>
+              <a:off x="2074444" y="5877272"/>
               <a:ext cx="599930" cy="190569"/>
             </a:xfrm>
             <a:prstGeom prst="rect">
@@ -9958,7 +9384,7 @@
           </p:nvSpPr>
           <p:spPr>
             <a:xfrm>
-              <a:off x="4355976" y="5398587"/>
+              <a:off x="3802636" y="5398587"/>
               <a:ext cx="282034" cy="262661"/>
             </a:xfrm>
             <a:prstGeom prst="rect">
@@ -10062,12 +9488,6 @@
 </file>
 
 <file path=ppt/tags/tag7.xml><?xml version="1.0" encoding="utf-8"?>
-<p:tagLst xmlns:a="http://schemas.openxmlformats.org/drawingml/2006/main" xmlns:r="http://schemas.openxmlformats.org/officeDocument/2006/relationships" xmlns:p="http://schemas.openxmlformats.org/presentationml/2006/main">
-  <p:tag name="TIMING" val="|79.3"/>
-</p:tagLst>
-</file>
-
-<file path=ppt/tags/tag8.xml><?xml version="1.0" encoding="utf-8"?>
 <p:tagLst xmlns:a="http://schemas.openxmlformats.org/drawingml/2006/main" xmlns:r="http://schemas.openxmlformats.org/officeDocument/2006/relationships" xmlns:p="http://schemas.openxmlformats.org/presentationml/2006/main">
   <p:tag name="TIMING" val="|79.3"/>
 </p:tagLst>
